--- a/스토리보드/스토리보드 - ppt.pptx
+++ b/스토리보드/스토리보드 - ppt.pptx
@@ -6,28 +6,31 @@
   </p:sldMasterIdLst>
   <p:sldIdLst>
     <p:sldId id="256" r:id="rId2"/>
-    <p:sldId id="257" r:id="rId3"/>
-    <p:sldId id="261" r:id="rId4"/>
-    <p:sldId id="262" r:id="rId5"/>
-    <p:sldId id="258" r:id="rId6"/>
-    <p:sldId id="265" r:id="rId7"/>
-    <p:sldId id="266" r:id="rId8"/>
-    <p:sldId id="267" r:id="rId9"/>
-    <p:sldId id="263" r:id="rId10"/>
-    <p:sldId id="259" r:id="rId11"/>
-    <p:sldId id="275" r:id="rId12"/>
-    <p:sldId id="276" r:id="rId13"/>
-    <p:sldId id="277" r:id="rId14"/>
-    <p:sldId id="278" r:id="rId15"/>
-    <p:sldId id="264" r:id="rId16"/>
-    <p:sldId id="260" r:id="rId17"/>
-    <p:sldId id="268" r:id="rId18"/>
-    <p:sldId id="269" r:id="rId19"/>
-    <p:sldId id="270" r:id="rId20"/>
-    <p:sldId id="271" r:id="rId21"/>
-    <p:sldId id="272" r:id="rId22"/>
-    <p:sldId id="273" r:id="rId23"/>
-    <p:sldId id="274" r:id="rId24"/>
+    <p:sldId id="279" r:id="rId3"/>
+    <p:sldId id="280" r:id="rId4"/>
+    <p:sldId id="281" r:id="rId5"/>
+    <p:sldId id="257" r:id="rId6"/>
+    <p:sldId id="261" r:id="rId7"/>
+    <p:sldId id="262" r:id="rId8"/>
+    <p:sldId id="258" r:id="rId9"/>
+    <p:sldId id="265" r:id="rId10"/>
+    <p:sldId id="266" r:id="rId11"/>
+    <p:sldId id="267" r:id="rId12"/>
+    <p:sldId id="263" r:id="rId13"/>
+    <p:sldId id="259" r:id="rId14"/>
+    <p:sldId id="275" r:id="rId15"/>
+    <p:sldId id="276" r:id="rId16"/>
+    <p:sldId id="277" r:id="rId17"/>
+    <p:sldId id="278" r:id="rId18"/>
+    <p:sldId id="264" r:id="rId19"/>
+    <p:sldId id="260" r:id="rId20"/>
+    <p:sldId id="268" r:id="rId21"/>
+    <p:sldId id="269" r:id="rId22"/>
+    <p:sldId id="270" r:id="rId23"/>
+    <p:sldId id="271" r:id="rId24"/>
+    <p:sldId id="272" r:id="rId25"/>
+    <p:sldId id="273" r:id="rId26"/>
+    <p:sldId id="274" r:id="rId27"/>
   </p:sldIdLst>
   <p:sldSz cx="12192000" cy="6858000"/>
   <p:notesSz cx="6858000" cy="9144000"/>
@@ -263,7 +266,7 @@
           <a:p>
             <a:fld id="{CFF7FCF5-13C8-45ED-BFE8-1E9EF6CA51B9}" type="datetimeFigureOut">
               <a:rPr lang="ko-KR" altLang="en-US" smtClean="0"/>
-              <a:t>2017-02-09</a:t>
+              <a:t>2017-02-14</a:t>
             </a:fld>
             <a:endParaRPr lang="ko-KR" altLang="en-US"/>
           </a:p>
@@ -431,7 +434,7 @@
           <a:p>
             <a:fld id="{CFF7FCF5-13C8-45ED-BFE8-1E9EF6CA51B9}" type="datetimeFigureOut">
               <a:rPr lang="ko-KR" altLang="en-US" smtClean="0"/>
-              <a:t>2017-02-09</a:t>
+              <a:t>2017-02-14</a:t>
             </a:fld>
             <a:endParaRPr lang="ko-KR" altLang="en-US"/>
           </a:p>
@@ -609,7 +612,7 @@
           <a:p>
             <a:fld id="{CFF7FCF5-13C8-45ED-BFE8-1E9EF6CA51B9}" type="datetimeFigureOut">
               <a:rPr lang="ko-KR" altLang="en-US" smtClean="0"/>
-              <a:t>2017-02-09</a:t>
+              <a:t>2017-02-14</a:t>
             </a:fld>
             <a:endParaRPr lang="ko-KR" altLang="en-US"/>
           </a:p>
@@ -777,7 +780,7 @@
           <a:p>
             <a:fld id="{CFF7FCF5-13C8-45ED-BFE8-1E9EF6CA51B9}" type="datetimeFigureOut">
               <a:rPr lang="ko-KR" altLang="en-US" smtClean="0"/>
-              <a:t>2017-02-09</a:t>
+              <a:t>2017-02-14</a:t>
             </a:fld>
             <a:endParaRPr lang="ko-KR" altLang="en-US"/>
           </a:p>
@@ -1022,7 +1025,7 @@
           <a:p>
             <a:fld id="{CFF7FCF5-13C8-45ED-BFE8-1E9EF6CA51B9}" type="datetimeFigureOut">
               <a:rPr lang="ko-KR" altLang="en-US" smtClean="0"/>
-              <a:t>2017-02-09</a:t>
+              <a:t>2017-02-14</a:t>
             </a:fld>
             <a:endParaRPr lang="ko-KR" altLang="en-US"/>
           </a:p>
@@ -1251,7 +1254,7 @@
           <a:p>
             <a:fld id="{CFF7FCF5-13C8-45ED-BFE8-1E9EF6CA51B9}" type="datetimeFigureOut">
               <a:rPr lang="ko-KR" altLang="en-US" smtClean="0"/>
-              <a:t>2017-02-09</a:t>
+              <a:t>2017-02-14</a:t>
             </a:fld>
             <a:endParaRPr lang="ko-KR" altLang="en-US"/>
           </a:p>
@@ -1615,7 +1618,7 @@
           <a:p>
             <a:fld id="{CFF7FCF5-13C8-45ED-BFE8-1E9EF6CA51B9}" type="datetimeFigureOut">
               <a:rPr lang="ko-KR" altLang="en-US" smtClean="0"/>
-              <a:t>2017-02-09</a:t>
+              <a:t>2017-02-14</a:t>
             </a:fld>
             <a:endParaRPr lang="ko-KR" altLang="en-US"/>
           </a:p>
@@ -1732,7 +1735,7 @@
           <a:p>
             <a:fld id="{CFF7FCF5-13C8-45ED-BFE8-1E9EF6CA51B9}" type="datetimeFigureOut">
               <a:rPr lang="ko-KR" altLang="en-US" smtClean="0"/>
-              <a:t>2017-02-09</a:t>
+              <a:t>2017-02-14</a:t>
             </a:fld>
             <a:endParaRPr lang="ko-KR" altLang="en-US"/>
           </a:p>
@@ -1827,7 +1830,7 @@
           <a:p>
             <a:fld id="{CFF7FCF5-13C8-45ED-BFE8-1E9EF6CA51B9}" type="datetimeFigureOut">
               <a:rPr lang="ko-KR" altLang="en-US" smtClean="0"/>
-              <a:t>2017-02-09</a:t>
+              <a:t>2017-02-14</a:t>
             </a:fld>
             <a:endParaRPr lang="ko-KR" altLang="en-US"/>
           </a:p>
@@ -2102,7 +2105,7 @@
           <a:p>
             <a:fld id="{CFF7FCF5-13C8-45ED-BFE8-1E9EF6CA51B9}" type="datetimeFigureOut">
               <a:rPr lang="ko-KR" altLang="en-US" smtClean="0"/>
-              <a:t>2017-02-09</a:t>
+              <a:t>2017-02-14</a:t>
             </a:fld>
             <a:endParaRPr lang="ko-KR" altLang="en-US"/>
           </a:p>
@@ -2354,7 +2357,7 @@
           <a:p>
             <a:fld id="{CFF7FCF5-13C8-45ED-BFE8-1E9EF6CA51B9}" type="datetimeFigureOut">
               <a:rPr lang="ko-KR" altLang="en-US" smtClean="0"/>
-              <a:t>2017-02-09</a:t>
+              <a:t>2017-02-14</a:t>
             </a:fld>
             <a:endParaRPr lang="ko-KR" altLang="en-US"/>
           </a:p>
@@ -2565,7 +2568,7 @@
           <a:p>
             <a:fld id="{CFF7FCF5-13C8-45ED-BFE8-1E9EF6CA51B9}" type="datetimeFigureOut">
               <a:rPr lang="ko-KR" altLang="en-US" smtClean="0"/>
-              <a:t>2017-02-09</a:t>
+              <a:t>2017-02-14</a:t>
             </a:fld>
             <a:endParaRPr lang="ko-KR" altLang="en-US"/>
           </a:p>
@@ -2988,19 +2991,23 @@
           <a:lstStyle/>
           <a:p>
             <a:r>
+              <a:rPr lang="ko-KR" altLang="en-US" sz="4600" b="1" dirty="0">
+                <a:latin typeface="+mn-ea"/>
+                <a:ea typeface="+mn-ea"/>
+              </a:rPr>
+              <a:t>아이디어 기획서 부가 설명 </a:t>
+            </a:r>
+            <a:r>
               <a:rPr lang="en-US" altLang="ko-KR" sz="4600" b="1" dirty="0">
                 <a:latin typeface="+mn-ea"/>
                 <a:ea typeface="+mn-ea"/>
               </a:rPr>
-              <a:t>SNS </a:t>
-            </a:r>
-            <a:r>
-              <a:rPr lang="ko-KR" altLang="en-US" sz="4600" b="1" dirty="0">
-                <a:latin typeface="+mn-ea"/>
-                <a:ea typeface="+mn-ea"/>
-              </a:rPr>
-              <a:t>인테리어 스토리보드 디자인</a:t>
-            </a:r>
+              <a:t>PPT</a:t>
+            </a:r>
+            <a:endParaRPr lang="ko-KR" altLang="en-US" sz="4600" b="1" dirty="0">
+              <a:latin typeface="+mn-ea"/>
+              <a:ea typeface="+mn-ea"/>
+            </a:endParaRPr>
           </a:p>
         </p:txBody>
       </p:sp>
@@ -3061,21 +3068,21 @@
                 <a:latin typeface="+mn-ea"/>
                 <a:ea typeface="+mn-ea"/>
               </a:rPr>
-              <a:t>02. </a:t>
+              <a:t>01. </a:t>
             </a:r>
             <a:r>
               <a:rPr lang="ko-KR" altLang="en-US" sz="4600" b="1" dirty="0">
                 <a:latin typeface="+mn-ea"/>
                 <a:ea typeface="+mn-ea"/>
               </a:rPr>
-              <a:t>실시간 도면 상담 기능</a:t>
+              <a:t>견적 신청서 작성 기능</a:t>
             </a:r>
           </a:p>
         </p:txBody>
       </p:sp>
       <p:pic>
         <p:nvPicPr>
-          <p:cNvPr id="2" name="그림 1"/>
+          <p:cNvPr id="4" name="그림 3"/>
           <p:cNvPicPr>
             <a:picLocks noChangeAspect="1"/>
           </p:cNvPicPr>
@@ -3095,8 +3102,8 @@
         </p:blipFill>
         <p:spPr>
           <a:xfrm>
-            <a:off x="2829503" y="1258463"/>
-            <a:ext cx="4751814" cy="5285666"/>
+            <a:off x="1494971" y="2209041"/>
+            <a:ext cx="9216571" cy="4300616"/>
           </a:xfrm>
           <a:prstGeom prst="rect">
             <a:avLst/>
@@ -3113,10 +3120,56 @@
           </a:effectLst>
         </p:spPr>
       </p:pic>
+      <p:sp>
+        <p:nvSpPr>
+          <p:cNvPr id="6" name="TextBox 5"/>
+          <p:cNvSpPr txBox="1"/>
+          <p:nvPr/>
+        </p:nvSpPr>
+        <p:spPr>
+          <a:xfrm>
+            <a:off x="0" y="1232966"/>
+            <a:ext cx="12506179" cy="584775"/>
+          </a:xfrm>
+          <a:prstGeom prst="rect">
+            <a:avLst/>
+          </a:prstGeom>
+          <a:noFill/>
+        </p:spPr>
+        <p:txBody>
+          <a:bodyPr wrap="square" rtlCol="0">
+            <a:spAutoFit/>
+          </a:bodyPr>
+          <a:lstStyle/>
+          <a:p>
+            <a:pPr marL="285750" indent="-285750">
+              <a:buFont typeface="Arial" panose="020B0604020202020204" pitchFamily="34" charset="0"/>
+              <a:buChar char="•"/>
+            </a:pPr>
+            <a:r>
+              <a:rPr lang="ko-KR" altLang="en-US" sz="3200" b="1" dirty="0"/>
+              <a:t>기능 관련 </a:t>
+            </a:r>
+            <a:r>
+              <a:rPr lang="en-US" altLang="ko-KR" sz="3200" b="1" dirty="0"/>
+              <a:t>API : </a:t>
+            </a:r>
+            <a:r>
+              <a:rPr lang="en-US" altLang="ko-KR" sz="3200" b="1" dirty="0" err="1"/>
+              <a:t>FloorPlanner</a:t>
+            </a:r>
+            <a:r>
+              <a:rPr lang="en-US" altLang="ko-KR" sz="3200" b="1" dirty="0"/>
+              <a:t> (http://docs.floorplanner.com/)</a:t>
+            </a:r>
+            <a:endParaRPr lang="ko-KR" altLang="en-US" sz="3200" b="1" dirty="0"/>
+          </a:p>
+        </p:txBody>
+      </p:sp>
     </p:spTree>
     <p:extLst>
       <p:ext uri="{BB962C8B-B14F-4D97-AF65-F5344CB8AC3E}">
-        <p14:creationId xmlns:p14="http://schemas.microsoft.com/office/powerpoint/2010/main" val="1260043013"/>
+        <p14:creationId xmlns:p14="http://schemas.microsoft.com/office/powerpoint/2010/main" val="1048217040"/>
       </p:ext>
     </p:extLst>
   </p:cSld>
@@ -3145,115 +3198,46 @@
       </p:grpSpPr>
       <p:sp>
         <p:nvSpPr>
-          <p:cNvPr id="2" name="TextBox 1"/>
-          <p:cNvSpPr txBox="1"/>
-          <p:nvPr/>
-        </p:nvSpPr>
-        <p:spPr>
-          <a:xfrm>
-            <a:off x="0" y="1232966"/>
-            <a:ext cx="12506179" cy="1077218"/>
-          </a:xfrm>
-          <a:prstGeom prst="rect">
-            <a:avLst/>
-          </a:prstGeom>
-          <a:noFill/>
-        </p:spPr>
-        <p:txBody>
-          <a:bodyPr wrap="square" rtlCol="0">
-            <a:spAutoFit/>
-          </a:bodyPr>
-          <a:lstStyle/>
-          <a:p>
-            <a:pPr marL="285750" indent="-285750">
-              <a:buFont typeface="Arial" panose="020B0604020202020204" pitchFamily="34" charset="0"/>
-              <a:buChar char="•"/>
-            </a:pPr>
-            <a:r>
-              <a:rPr lang="ko-KR" altLang="en-US" sz="3200" b="1" dirty="0"/>
-              <a:t>기능 관련 </a:t>
-            </a:r>
-            <a:r>
-              <a:rPr lang="en-US" altLang="ko-KR" sz="3200" b="1" dirty="0"/>
-              <a:t>API : </a:t>
-            </a:r>
-            <a:r>
-              <a:rPr lang="ko-KR" altLang="en-US" sz="3200" b="1" dirty="0" err="1"/>
-              <a:t>리모트미팅</a:t>
-            </a:r>
-            <a:r>
-              <a:rPr lang="en-US" altLang="ko-KR" sz="3200" b="1" dirty="0"/>
-              <a:t> (</a:t>
-            </a:r>
-            <a:r>
-              <a:rPr lang="en-US" altLang="ko-KR" sz="3200" b="1" dirty="0"/>
-              <a:t>https://developers.remotemeeting.com/docs/)</a:t>
-            </a:r>
-            <a:endParaRPr lang="ko-KR" altLang="en-US" sz="3200" b="1" dirty="0"/>
-          </a:p>
-        </p:txBody>
-      </p:sp>
-      <p:sp>
-        <p:nvSpPr>
-          <p:cNvPr id="7" name="제목 1"/>
-          <p:cNvSpPr txBox="1">
-            <a:spLocks/>
+          <p:cNvPr id="5" name="제목 1"/>
+          <p:cNvSpPr>
+            <a:spLocks noGrp="1"/>
           </p:cNvSpPr>
-          <p:nvPr/>
+          <p:nvPr>
+            <p:ph type="ctrTitle"/>
+          </p:nvPr>
         </p:nvSpPr>
         <p:spPr>
           <a:xfrm>
             <a:off x="-769033" y="154745"/>
             <a:ext cx="9144000" cy="808966"/>
           </a:xfrm>
-          <a:prstGeom prst="rect">
-            <a:avLst/>
-          </a:prstGeom>
-        </p:spPr>
-        <p:txBody>
-          <a:bodyPr vert="horz" lIns="91440" tIns="45720" rIns="91440" bIns="45720" rtlCol="0" anchor="b">
+        </p:spPr>
+        <p:txBody>
+          <a:bodyPr>
             <a:normAutofit/>
           </a:bodyPr>
-          <a:lstStyle>
-            <a:lvl1pPr algn="ctr" defTabSz="914400" rtl="0" eaLnBrk="1" latinLnBrk="1" hangingPunct="1">
-              <a:lnSpc>
-                <a:spcPct val="90000"/>
-              </a:lnSpc>
-              <a:spcBef>
-                <a:spcPct val="0"/>
-              </a:spcBef>
-              <a:buNone/>
-              <a:defRPr sz="6000" kern="1200">
-                <a:solidFill>
-                  <a:schemeClr val="tx1"/>
-                </a:solidFill>
-                <a:latin typeface="+mj-lt"/>
-                <a:ea typeface="+mj-ea"/>
-                <a:cs typeface="+mj-cs"/>
-              </a:defRPr>
-            </a:lvl1pPr>
-          </a:lstStyle>
+          <a:lstStyle/>
           <a:p>
             <a:r>
               <a:rPr lang="en-US" altLang="ko-KR" sz="4600" b="1" dirty="0">
                 <a:latin typeface="+mn-ea"/>
                 <a:ea typeface="+mn-ea"/>
               </a:rPr>
-              <a:t>02. </a:t>
+              <a:t>01. </a:t>
             </a:r>
             <a:r>
               <a:rPr lang="ko-KR" altLang="en-US" sz="4600" b="1" dirty="0">
                 <a:latin typeface="+mn-ea"/>
                 <a:ea typeface="+mn-ea"/>
               </a:rPr>
-              <a:t>실시간 도면 상담 기능</a:t>
+              <a:t>견적 신청서 작성 기능</a:t>
             </a:r>
           </a:p>
         </p:txBody>
       </p:sp>
       <p:pic>
         <p:nvPicPr>
-          <p:cNvPr id="9" name="그림 8"/>
+          <p:cNvPr id="3" name="그림 2"/>
           <p:cNvPicPr>
             <a:picLocks noChangeAspect="1"/>
           </p:cNvPicPr>
@@ -3273,8 +3257,8 @@
         </p:blipFill>
         <p:spPr>
           <a:xfrm>
-            <a:off x="669653" y="2579439"/>
-            <a:ext cx="5188495" cy="3764604"/>
+            <a:off x="764346" y="2378332"/>
+            <a:ext cx="5167772" cy="3835806"/>
           </a:xfrm>
           <a:prstGeom prst="rect">
             <a:avLst/>
@@ -3283,9 +3267,9 @@
             <a:noFill/>
           </a:ln>
           <a:effectLst>
-            <a:outerShdw blurRad="292100" dist="139700" dir="2700000" algn="tl" rotWithShape="0">
-              <a:srgbClr val="333333">
-                <a:alpha val="65000"/>
+            <a:outerShdw blurRad="190500" algn="tl" rotWithShape="0">
+              <a:srgbClr val="000000">
+                <a:alpha val="70000"/>
               </a:srgbClr>
             </a:outerShdw>
           </a:effectLst>
@@ -3293,7 +3277,7 @@
       </p:pic>
       <p:pic>
         <p:nvPicPr>
-          <p:cNvPr id="13" name="그림 12"/>
+          <p:cNvPr id="6" name="그림 5"/>
           <p:cNvPicPr>
             <a:picLocks noChangeAspect="1"/>
           </p:cNvPicPr>
@@ -3313,8 +3297,8 @@
         </p:blipFill>
         <p:spPr>
           <a:xfrm>
-            <a:off x="6465691" y="3338518"/>
-            <a:ext cx="5129680" cy="2246446"/>
+            <a:off x="6684917" y="2486232"/>
+            <a:ext cx="4448796" cy="3620005"/>
           </a:xfrm>
           <a:prstGeom prst="rect">
             <a:avLst/>
@@ -3323,18 +3307,64 @@
             <a:noFill/>
           </a:ln>
           <a:effectLst>
-            <a:outerShdw blurRad="292100" dist="139700" dir="2700000" algn="tl" rotWithShape="0">
-              <a:srgbClr val="333333">
-                <a:alpha val="65000"/>
+            <a:outerShdw blurRad="190500" algn="tl" rotWithShape="0">
+              <a:srgbClr val="000000">
+                <a:alpha val="70000"/>
               </a:srgbClr>
             </a:outerShdw>
           </a:effectLst>
         </p:spPr>
       </p:pic>
+      <p:sp>
+        <p:nvSpPr>
+          <p:cNvPr id="7" name="TextBox 6"/>
+          <p:cNvSpPr txBox="1"/>
+          <p:nvPr/>
+        </p:nvSpPr>
+        <p:spPr>
+          <a:xfrm>
+            <a:off x="0" y="1232966"/>
+            <a:ext cx="12506179" cy="584775"/>
+          </a:xfrm>
+          <a:prstGeom prst="rect">
+            <a:avLst/>
+          </a:prstGeom>
+          <a:noFill/>
+        </p:spPr>
+        <p:txBody>
+          <a:bodyPr wrap="square" rtlCol="0">
+            <a:spAutoFit/>
+          </a:bodyPr>
+          <a:lstStyle/>
+          <a:p>
+            <a:pPr marL="285750" indent="-285750">
+              <a:buFont typeface="Arial" panose="020B0604020202020204" pitchFamily="34" charset="0"/>
+              <a:buChar char="•"/>
+            </a:pPr>
+            <a:r>
+              <a:rPr lang="ko-KR" altLang="en-US" sz="3200" b="1" dirty="0"/>
+              <a:t>기능 관련 </a:t>
+            </a:r>
+            <a:r>
+              <a:rPr lang="en-US" altLang="ko-KR" sz="3200" b="1" dirty="0"/>
+              <a:t>API : </a:t>
+            </a:r>
+            <a:r>
+              <a:rPr lang="en-US" altLang="ko-KR" sz="3200" b="1" dirty="0" err="1"/>
+              <a:t>FloorPlanner</a:t>
+            </a:r>
+            <a:r>
+              <a:rPr lang="en-US" altLang="ko-KR" sz="3200" b="1" dirty="0"/>
+              <a:t> (http://docs.floorplanner.com/)</a:t>
+            </a:r>
+            <a:endParaRPr lang="ko-KR" altLang="en-US" sz="3200" b="1" dirty="0"/>
+          </a:p>
+        </p:txBody>
+      </p:sp>
     </p:spTree>
     <p:extLst>
       <p:ext uri="{BB962C8B-B14F-4D97-AF65-F5344CB8AC3E}">
-        <p14:creationId xmlns:p14="http://schemas.microsoft.com/office/powerpoint/2010/main" val="571897929"/>
+        <p14:creationId xmlns:p14="http://schemas.microsoft.com/office/powerpoint/2010/main" val="3748702408"/>
       </p:ext>
     </p:extLst>
   </p:cSld>
@@ -3363,156 +3393,257 @@
       </p:grpSpPr>
       <p:sp>
         <p:nvSpPr>
-          <p:cNvPr id="2" name="TextBox 1"/>
-          <p:cNvSpPr txBox="1"/>
-          <p:nvPr/>
-        </p:nvSpPr>
-        <p:spPr>
-          <a:xfrm>
-            <a:off x="0" y="1232966"/>
-            <a:ext cx="12506179" cy="1077218"/>
-          </a:xfrm>
-          <a:prstGeom prst="rect">
-            <a:avLst/>
-          </a:prstGeom>
-          <a:noFill/>
-        </p:spPr>
-        <p:txBody>
-          <a:bodyPr wrap="square" rtlCol="0">
-            <a:spAutoFit/>
-          </a:bodyPr>
-          <a:lstStyle/>
-          <a:p>
-            <a:pPr marL="285750" indent="-285750">
-              <a:buFont typeface="Arial" panose="020B0604020202020204" pitchFamily="34" charset="0"/>
-              <a:buChar char="•"/>
-            </a:pPr>
-            <a:r>
-              <a:rPr lang="ko-KR" altLang="en-US" sz="3200" b="1" dirty="0"/>
-              <a:t>기능 관련 </a:t>
-            </a:r>
-            <a:r>
-              <a:rPr lang="en-US" altLang="ko-KR" sz="3200" b="1" dirty="0"/>
-              <a:t>API : </a:t>
-            </a:r>
-            <a:r>
-              <a:rPr lang="ko-KR" altLang="en-US" sz="3200" b="1" dirty="0" err="1"/>
-              <a:t>리모트미팅</a:t>
-            </a:r>
-            <a:r>
-              <a:rPr lang="en-US" altLang="ko-KR" sz="3200" b="1" dirty="0"/>
-              <a:t> (</a:t>
-            </a:r>
-            <a:r>
-              <a:rPr lang="en-US" altLang="ko-KR" sz="3200" b="1" dirty="0"/>
-              <a:t>https://developers.remotemeeting.com/docs/)</a:t>
-            </a:r>
-            <a:endParaRPr lang="ko-KR" altLang="en-US" sz="3200" b="1" dirty="0"/>
-          </a:p>
-        </p:txBody>
-      </p:sp>
-      <p:sp>
-        <p:nvSpPr>
-          <p:cNvPr id="7" name="제목 1"/>
-          <p:cNvSpPr txBox="1">
-            <a:spLocks/>
+          <p:cNvPr id="5" name="제목 1"/>
+          <p:cNvSpPr>
+            <a:spLocks noGrp="1"/>
           </p:cNvSpPr>
-          <p:nvPr/>
+          <p:nvPr>
+            <p:ph type="ctrTitle"/>
+          </p:nvPr>
         </p:nvSpPr>
         <p:spPr>
           <a:xfrm>
             <a:off x="-769033" y="154745"/>
             <a:ext cx="9144000" cy="808966"/>
           </a:xfrm>
-          <a:prstGeom prst="rect">
-            <a:avLst/>
-          </a:prstGeom>
-        </p:spPr>
-        <p:txBody>
-          <a:bodyPr vert="horz" lIns="91440" tIns="45720" rIns="91440" bIns="45720" rtlCol="0" anchor="b">
+        </p:spPr>
+        <p:txBody>
+          <a:bodyPr>
             <a:normAutofit/>
           </a:bodyPr>
-          <a:lstStyle>
-            <a:lvl1pPr algn="ctr" defTabSz="914400" rtl="0" eaLnBrk="1" latinLnBrk="1" hangingPunct="1">
-              <a:lnSpc>
-                <a:spcPct val="90000"/>
-              </a:lnSpc>
-              <a:spcBef>
-                <a:spcPct val="0"/>
-              </a:spcBef>
-              <a:buNone/>
-              <a:defRPr sz="6000" kern="1200">
-                <a:solidFill>
-                  <a:schemeClr val="tx1"/>
-                </a:solidFill>
-                <a:latin typeface="+mj-lt"/>
-                <a:ea typeface="+mj-ea"/>
-                <a:cs typeface="+mj-cs"/>
-              </a:defRPr>
-            </a:lvl1pPr>
-          </a:lstStyle>
+          <a:lstStyle/>
           <a:p>
             <a:r>
               <a:rPr lang="en-US" altLang="ko-KR" sz="4600" b="1" dirty="0">
                 <a:latin typeface="+mn-ea"/>
                 <a:ea typeface="+mn-ea"/>
               </a:rPr>
-              <a:t>02. </a:t>
+              <a:t>01. </a:t>
             </a:r>
             <a:r>
               <a:rPr lang="ko-KR" altLang="en-US" sz="4600" b="1" dirty="0">
                 <a:latin typeface="+mn-ea"/>
                 <a:ea typeface="+mn-ea"/>
               </a:rPr>
-              <a:t>실시간 도면 상담 기능</a:t>
-            </a:r>
-          </a:p>
-        </p:txBody>
-      </p:sp>
-      <p:pic>
-        <p:nvPicPr>
-          <p:cNvPr id="3" name="그림 2"/>
-          <p:cNvPicPr>
-            <a:picLocks noChangeAspect="1"/>
-          </p:cNvPicPr>
-          <p:nvPr/>
-        </p:nvPicPr>
-        <p:blipFill>
-          <a:blip r:embed="rId2">
-            <a:extLst>
-              <a:ext uri="{28A0092B-C50C-407E-A947-70E740481C1C}">
-                <a14:useLocalDpi xmlns:a14="http://schemas.microsoft.com/office/drawing/2010/main" val="0"/>
-              </a:ext>
-            </a:extLst>
-          </a:blip>
-          <a:stretch>
-            <a:fillRect/>
-          </a:stretch>
-        </p:blipFill>
-        <p:spPr>
-          <a:xfrm>
-            <a:off x="3274698" y="2310184"/>
-            <a:ext cx="5956781" cy="4311442"/>
-          </a:xfrm>
-          <a:prstGeom prst="rect">
-            <a:avLst/>
-          </a:prstGeom>
-          <a:ln>
-            <a:noFill/>
-          </a:ln>
-          <a:effectLst>
-            <a:outerShdw blurRad="292100" dist="139700" dir="2700000" algn="tl" rotWithShape="0">
-              <a:srgbClr val="333333">
-                <a:alpha val="65000"/>
-              </a:srgbClr>
-            </a:outerShdw>
-          </a:effectLst>
-        </p:spPr>
-      </p:pic>
+              <a:t>견적 신청서 작성 기능</a:t>
+            </a:r>
+          </a:p>
+        </p:txBody>
+      </p:sp>
+      <p:graphicFrame>
+        <p:nvGraphicFramePr>
+          <p:cNvPr id="2" name="표 1"/>
+          <p:cNvGraphicFramePr>
+            <a:graphicFrameLocks noGrp="1"/>
+          </p:cNvGraphicFramePr>
+          <p:nvPr>
+            <p:extLst>
+              <p:ext uri="{D42A27DB-BD31-4B8C-83A1-F6EECF244321}">
+                <p14:modId xmlns:p14="http://schemas.microsoft.com/office/powerpoint/2010/main" val="2058646177"/>
+              </p:ext>
+            </p:extLst>
+          </p:nvPr>
+        </p:nvGraphicFramePr>
+        <p:xfrm>
+          <a:off x="2032000" y="2154569"/>
+          <a:ext cx="8128000" cy="3529332"/>
+        </p:xfrm>
+        <a:graphic>
+          <a:graphicData uri="http://schemas.openxmlformats.org/drawingml/2006/table">
+            <a:tbl>
+              <a:tblPr firstRow="1" bandRow="1">
+                <a:tableStyleId>{21E4AEA4-8DFA-4A89-87EB-49C32662AFE0}</a:tableStyleId>
+              </a:tblPr>
+              <a:tblGrid>
+                <a:gridCol w="4064000">
+                  <a:extLst>
+                    <a:ext uri="{9D8B030D-6E8A-4147-A177-3AD203B41FA5}">
+                      <a16:colId xmlns:a16="http://schemas.microsoft.com/office/drawing/2014/main" val="2096301819"/>
+                    </a:ext>
+                  </a:extLst>
+                </a:gridCol>
+                <a:gridCol w="4064000">
+                  <a:extLst>
+                    <a:ext uri="{9D8B030D-6E8A-4147-A177-3AD203B41FA5}">
+                      <a16:colId xmlns:a16="http://schemas.microsoft.com/office/drawing/2014/main" val="1151606487"/>
+                    </a:ext>
+                  </a:extLst>
+                </a:gridCol>
+              </a:tblGrid>
+              <a:tr h="871644">
+                <a:tc>
+                  <a:txBody>
+                    <a:bodyPr/>
+                    <a:lstStyle/>
+                    <a:p>
+                      <a:pPr algn="ctr" latinLnBrk="1"/>
+                      <a:r>
+                        <a:rPr lang="ko-KR" altLang="en-US" sz="2800" dirty="0"/>
+                        <a:t>기능</a:t>
+                      </a:r>
+                    </a:p>
+                  </a:txBody>
+                  <a:tcPr anchor="ctr"/>
+                </a:tc>
+                <a:tc>
+                  <a:txBody>
+                    <a:bodyPr/>
+                    <a:lstStyle/>
+                    <a:p>
+                      <a:pPr algn="ctr" latinLnBrk="1"/>
+                      <a:r>
+                        <a:rPr lang="ko-KR" altLang="en-US" sz="2800" dirty="0"/>
+                        <a:t>내용 설명</a:t>
+                      </a:r>
+                    </a:p>
+                  </a:txBody>
+                  <a:tcPr anchor="ctr"/>
+                </a:tc>
+                <a:extLst>
+                  <a:ext uri="{0D108BD9-81ED-4DB2-BD59-A6C34878D82A}">
+                    <a16:rowId xmlns:a16="http://schemas.microsoft.com/office/drawing/2014/main" val="186381071"/>
+                  </a:ext>
+                </a:extLst>
+              </a:tr>
+              <a:tr h="871644">
+                <a:tc>
+                  <a:txBody>
+                    <a:bodyPr/>
+                    <a:lstStyle/>
+                    <a:p>
+                      <a:pPr algn="ctr" latinLnBrk="1"/>
+                      <a:r>
+                        <a:rPr lang="en-US" altLang="ko-KR" sz="3600" b="1" dirty="0"/>
+                        <a:t>INPUT</a:t>
+                      </a:r>
+                      <a:endParaRPr lang="ko-KR" altLang="en-US" sz="3600" b="1" dirty="0"/>
+                    </a:p>
+                  </a:txBody>
+                  <a:tcPr anchor="ctr"/>
+                </a:tc>
+                <a:tc>
+                  <a:txBody>
+                    <a:bodyPr/>
+                    <a:lstStyle/>
+                    <a:p>
+                      <a:pPr algn="l" latinLnBrk="1"/>
+                      <a:r>
+                        <a:rPr lang="ko-KR" altLang="en-US" dirty="0"/>
+                        <a:t>사용자가 견적 상담 버튼을 눌러서 견적 신청 작성 페이지로 넘어간다</a:t>
+                      </a:r>
+                      <a:r>
+                        <a:rPr lang="en-US" altLang="ko-KR" dirty="0"/>
+                        <a:t>.</a:t>
+                      </a:r>
+                      <a:endParaRPr lang="ko-KR" altLang="en-US" dirty="0"/>
+                    </a:p>
+                  </a:txBody>
+                  <a:tcPr/>
+                </a:tc>
+                <a:extLst>
+                  <a:ext uri="{0D108BD9-81ED-4DB2-BD59-A6C34878D82A}">
+                    <a16:rowId xmlns:a16="http://schemas.microsoft.com/office/drawing/2014/main" val="1026013384"/>
+                  </a:ext>
+                </a:extLst>
+              </a:tr>
+              <a:tr h="871644">
+                <a:tc>
+                  <a:txBody>
+                    <a:bodyPr/>
+                    <a:lstStyle/>
+                    <a:p>
+                      <a:pPr algn="ctr" latinLnBrk="1"/>
+                      <a:r>
+                        <a:rPr lang="en-US" altLang="ko-KR" sz="3600" b="1" dirty="0"/>
+                        <a:t>Process</a:t>
+                      </a:r>
+                      <a:endParaRPr lang="ko-KR" altLang="en-US" sz="3600" b="1" dirty="0"/>
+                    </a:p>
+                  </a:txBody>
+                  <a:tcPr anchor="ctr"/>
+                </a:tc>
+                <a:tc>
+                  <a:txBody>
+                    <a:bodyPr/>
+                    <a:lstStyle/>
+                    <a:p>
+                      <a:pPr algn="l" latinLnBrk="1"/>
+                      <a:r>
+                        <a:rPr lang="ko-KR" altLang="en-US" dirty="0"/>
+                        <a:t>견적 신청 페이지에서 자신의 견적 정보에 대해 입력하고 </a:t>
+                      </a:r>
+                      <a:r>
+                        <a:rPr lang="en-US" altLang="ko-KR" dirty="0"/>
+                        <a:t>, </a:t>
+                      </a:r>
+                      <a:r>
+                        <a:rPr lang="ko-KR" altLang="en-US" dirty="0"/>
+                        <a:t>도면도 제작 툴을 이용해 간단히 도면도를 그린다</a:t>
+                      </a:r>
+                      <a:r>
+                        <a:rPr lang="en-US" altLang="ko-KR" dirty="0"/>
+                        <a:t>.</a:t>
+                      </a:r>
+                      <a:endParaRPr lang="ko-KR" altLang="en-US" dirty="0"/>
+                    </a:p>
+                  </a:txBody>
+                  <a:tcPr/>
+                </a:tc>
+                <a:extLst>
+                  <a:ext uri="{0D108BD9-81ED-4DB2-BD59-A6C34878D82A}">
+                    <a16:rowId xmlns:a16="http://schemas.microsoft.com/office/drawing/2014/main" val="1639687622"/>
+                  </a:ext>
+                </a:extLst>
+              </a:tr>
+              <a:tr h="871644">
+                <a:tc>
+                  <a:txBody>
+                    <a:bodyPr/>
+                    <a:lstStyle/>
+                    <a:p>
+                      <a:pPr algn="ctr" latinLnBrk="1"/>
+                      <a:r>
+                        <a:rPr lang="en-US" altLang="ko-KR" sz="3600" b="1" dirty="0"/>
+                        <a:t>OUTPUT</a:t>
+                      </a:r>
+                      <a:endParaRPr lang="ko-KR" altLang="en-US" sz="3600" b="1" dirty="0"/>
+                    </a:p>
+                  </a:txBody>
+                  <a:tcPr anchor="ctr"/>
+                </a:tc>
+                <a:tc>
+                  <a:txBody>
+                    <a:bodyPr/>
+                    <a:lstStyle/>
+                    <a:p>
+                      <a:pPr algn="l" latinLnBrk="1"/>
+                      <a:r>
+                        <a:rPr lang="ko-KR" altLang="en-US" dirty="0"/>
+                        <a:t>견적 신청 게시판에 자신의 견적 신청에 대한 게시글이 등록된다</a:t>
+                      </a:r>
+                      <a:r>
+                        <a:rPr lang="en-US" altLang="ko-KR" dirty="0"/>
+                        <a:t>.</a:t>
+                      </a:r>
+                      <a:endParaRPr lang="ko-KR" altLang="en-US" dirty="0"/>
+                    </a:p>
+                  </a:txBody>
+                  <a:tcPr/>
+                </a:tc>
+                <a:extLst>
+                  <a:ext uri="{0D108BD9-81ED-4DB2-BD59-A6C34878D82A}">
+                    <a16:rowId xmlns:a16="http://schemas.microsoft.com/office/drawing/2014/main" val="1656529559"/>
+                  </a:ext>
+                </a:extLst>
+              </a:tr>
+            </a:tbl>
+          </a:graphicData>
+        </a:graphic>
+      </p:graphicFrame>
     </p:spTree>
     <p:extLst>
       <p:ext uri="{BB962C8B-B14F-4D97-AF65-F5344CB8AC3E}">
-        <p14:creationId xmlns:p14="http://schemas.microsoft.com/office/powerpoint/2010/main" val="3087315060"/>
+        <p14:creationId xmlns:p14="http://schemas.microsoft.com/office/powerpoint/2010/main" val="2601723249"/>
       </p:ext>
     </p:extLst>
   </p:cSld>
@@ -3541,94 +3672,25 @@
       </p:grpSpPr>
       <p:sp>
         <p:nvSpPr>
-          <p:cNvPr id="2" name="TextBox 1"/>
-          <p:cNvSpPr txBox="1"/>
-          <p:nvPr/>
-        </p:nvSpPr>
-        <p:spPr>
-          <a:xfrm>
-            <a:off x="0" y="1232966"/>
-            <a:ext cx="12506179" cy="1077218"/>
-          </a:xfrm>
-          <a:prstGeom prst="rect">
-            <a:avLst/>
-          </a:prstGeom>
-          <a:noFill/>
-        </p:spPr>
-        <p:txBody>
-          <a:bodyPr wrap="square" rtlCol="0">
-            <a:spAutoFit/>
-          </a:bodyPr>
-          <a:lstStyle/>
-          <a:p>
-            <a:pPr marL="285750" indent="-285750">
-              <a:buFont typeface="Arial" panose="020B0604020202020204" pitchFamily="34" charset="0"/>
-              <a:buChar char="•"/>
-            </a:pPr>
-            <a:r>
-              <a:rPr lang="ko-KR" altLang="en-US" sz="3200" b="1" dirty="0"/>
-              <a:t>기능 관련 </a:t>
-            </a:r>
-            <a:r>
-              <a:rPr lang="en-US" altLang="ko-KR" sz="3200" b="1" dirty="0"/>
-              <a:t>API : </a:t>
-            </a:r>
-            <a:r>
-              <a:rPr lang="ko-KR" altLang="en-US" sz="3200" b="1" dirty="0" err="1"/>
-              <a:t>리모트미팅</a:t>
-            </a:r>
-            <a:r>
-              <a:rPr lang="en-US" altLang="ko-KR" sz="3200" b="1" dirty="0"/>
-              <a:t> (</a:t>
-            </a:r>
-            <a:r>
-              <a:rPr lang="en-US" altLang="ko-KR" sz="3200" b="1" dirty="0"/>
-              <a:t>https://developers.remotemeeting.com/docs/)</a:t>
-            </a:r>
-            <a:endParaRPr lang="ko-KR" altLang="en-US" sz="3200" b="1" dirty="0"/>
-          </a:p>
-        </p:txBody>
-      </p:sp>
-      <p:sp>
-        <p:nvSpPr>
-          <p:cNvPr id="7" name="제목 1"/>
-          <p:cNvSpPr txBox="1">
-            <a:spLocks/>
+          <p:cNvPr id="5" name="제목 1"/>
+          <p:cNvSpPr>
+            <a:spLocks noGrp="1"/>
           </p:cNvSpPr>
-          <p:nvPr/>
+          <p:nvPr>
+            <p:ph type="ctrTitle"/>
+          </p:nvPr>
         </p:nvSpPr>
         <p:spPr>
           <a:xfrm>
             <a:off x="-769033" y="154745"/>
             <a:ext cx="9144000" cy="808966"/>
           </a:xfrm>
-          <a:prstGeom prst="rect">
-            <a:avLst/>
-          </a:prstGeom>
-        </p:spPr>
-        <p:txBody>
-          <a:bodyPr vert="horz" lIns="91440" tIns="45720" rIns="91440" bIns="45720" rtlCol="0" anchor="b">
+        </p:spPr>
+        <p:txBody>
+          <a:bodyPr>
             <a:normAutofit/>
           </a:bodyPr>
-          <a:lstStyle>
-            <a:lvl1pPr algn="ctr" defTabSz="914400" rtl="0" eaLnBrk="1" latinLnBrk="1" hangingPunct="1">
-              <a:lnSpc>
-                <a:spcPct val="90000"/>
-              </a:lnSpc>
-              <a:spcBef>
-                <a:spcPct val="0"/>
-              </a:spcBef>
-              <a:buNone/>
-              <a:defRPr sz="6000" kern="1200">
-                <a:solidFill>
-                  <a:schemeClr val="tx1"/>
-                </a:solidFill>
-                <a:latin typeface="+mj-lt"/>
-                <a:ea typeface="+mj-ea"/>
-                <a:cs typeface="+mj-cs"/>
-              </a:defRPr>
-            </a:lvl1pPr>
-          </a:lstStyle>
+          <a:lstStyle/>
           <a:p>
             <a:r>
               <a:rPr lang="en-US" altLang="ko-KR" sz="4600" b="1" dirty="0">
@@ -3649,7 +3711,7 @@
       </p:sp>
       <p:pic>
         <p:nvPicPr>
-          <p:cNvPr id="4" name="그림 3"/>
+          <p:cNvPr id="2" name="그림 1"/>
           <p:cNvPicPr>
             <a:picLocks noChangeAspect="1"/>
           </p:cNvPicPr>
@@ -3669,8 +3731,8 @@
         </p:blipFill>
         <p:spPr>
           <a:xfrm>
-            <a:off x="1778808" y="2579439"/>
-            <a:ext cx="9505278" cy="3682887"/>
+            <a:off x="2829503" y="1258463"/>
+            <a:ext cx="4751814" cy="5285666"/>
           </a:xfrm>
           <a:prstGeom prst="rect">
             <a:avLst/>
@@ -3679,9 +3741,9 @@
             <a:noFill/>
           </a:ln>
           <a:effectLst>
-            <a:outerShdw blurRad="292100" dist="139700" dir="2700000" algn="tl" rotWithShape="0">
-              <a:srgbClr val="333333">
-                <a:alpha val="65000"/>
+            <a:outerShdw blurRad="190500" algn="tl" rotWithShape="0">
+              <a:srgbClr val="000000">
+                <a:alpha val="70000"/>
               </a:srgbClr>
             </a:outerShdw>
           </a:effectLst>
@@ -3690,7 +3752,7 @@
     </p:spTree>
     <p:extLst>
       <p:ext uri="{BB962C8B-B14F-4D97-AF65-F5344CB8AC3E}">
-        <p14:creationId xmlns:p14="http://schemas.microsoft.com/office/powerpoint/2010/main" val="3656706343"/>
+        <p14:creationId xmlns:p14="http://schemas.microsoft.com/office/powerpoint/2010/main" val="1260043013"/>
       </p:ext>
     </p:extLst>
   </p:cSld>
@@ -3757,11 +3819,7 @@
             </a:r>
             <a:r>
               <a:rPr lang="en-US" altLang="ko-KR" sz="3200" b="1" dirty="0"/>
-              <a:t> (</a:t>
-            </a:r>
-            <a:r>
-              <a:rPr lang="en-US" altLang="ko-KR" sz="3200" b="1" dirty="0"/>
-              <a:t>https://developers.remotemeeting.com/docs/)</a:t>
+              <a:t> (https://developers.remotemeeting.com/docs/)</a:t>
             </a:r>
             <a:endParaRPr lang="ko-KR" altLang="en-US" sz="3200" b="1" dirty="0"/>
           </a:p>
@@ -3827,6 +3885,220 @@
       </p:sp>
       <p:pic>
         <p:nvPicPr>
+          <p:cNvPr id="9" name="그림 8"/>
+          <p:cNvPicPr>
+            <a:picLocks noChangeAspect="1"/>
+          </p:cNvPicPr>
+          <p:nvPr/>
+        </p:nvPicPr>
+        <p:blipFill>
+          <a:blip r:embed="rId2">
+            <a:extLst>
+              <a:ext uri="{28A0092B-C50C-407E-A947-70E740481C1C}">
+                <a14:useLocalDpi xmlns:a14="http://schemas.microsoft.com/office/drawing/2010/main" val="0"/>
+              </a:ext>
+            </a:extLst>
+          </a:blip>
+          <a:stretch>
+            <a:fillRect/>
+          </a:stretch>
+        </p:blipFill>
+        <p:spPr>
+          <a:xfrm>
+            <a:off x="669653" y="2579439"/>
+            <a:ext cx="5188495" cy="3764604"/>
+          </a:xfrm>
+          <a:prstGeom prst="rect">
+            <a:avLst/>
+          </a:prstGeom>
+          <a:ln>
+            <a:noFill/>
+          </a:ln>
+          <a:effectLst>
+            <a:outerShdw blurRad="292100" dist="139700" dir="2700000" algn="tl" rotWithShape="0">
+              <a:srgbClr val="333333">
+                <a:alpha val="65000"/>
+              </a:srgbClr>
+            </a:outerShdw>
+          </a:effectLst>
+        </p:spPr>
+      </p:pic>
+      <p:pic>
+        <p:nvPicPr>
+          <p:cNvPr id="13" name="그림 12"/>
+          <p:cNvPicPr>
+            <a:picLocks noChangeAspect="1"/>
+          </p:cNvPicPr>
+          <p:nvPr/>
+        </p:nvPicPr>
+        <p:blipFill>
+          <a:blip r:embed="rId3">
+            <a:extLst>
+              <a:ext uri="{28A0092B-C50C-407E-A947-70E740481C1C}">
+                <a14:useLocalDpi xmlns:a14="http://schemas.microsoft.com/office/drawing/2010/main" val="0"/>
+              </a:ext>
+            </a:extLst>
+          </a:blip>
+          <a:stretch>
+            <a:fillRect/>
+          </a:stretch>
+        </p:blipFill>
+        <p:spPr>
+          <a:xfrm>
+            <a:off x="6465691" y="3338518"/>
+            <a:ext cx="5129680" cy="2246446"/>
+          </a:xfrm>
+          <a:prstGeom prst="rect">
+            <a:avLst/>
+          </a:prstGeom>
+          <a:ln>
+            <a:noFill/>
+          </a:ln>
+          <a:effectLst>
+            <a:outerShdw blurRad="292100" dist="139700" dir="2700000" algn="tl" rotWithShape="0">
+              <a:srgbClr val="333333">
+                <a:alpha val="65000"/>
+              </a:srgbClr>
+            </a:outerShdw>
+          </a:effectLst>
+        </p:spPr>
+      </p:pic>
+    </p:spTree>
+    <p:extLst>
+      <p:ext uri="{BB962C8B-B14F-4D97-AF65-F5344CB8AC3E}">
+        <p14:creationId xmlns:p14="http://schemas.microsoft.com/office/powerpoint/2010/main" val="571897929"/>
+      </p:ext>
+    </p:extLst>
+  </p:cSld>
+  <p:clrMapOvr>
+    <a:masterClrMapping/>
+  </p:clrMapOvr>
+</p:sld>
+</file>
+
+<file path=ppt/slides/slide15.xml><?xml version="1.0" encoding="utf-8"?>
+<p:sld xmlns:a="http://schemas.openxmlformats.org/drawingml/2006/main" xmlns:r="http://schemas.openxmlformats.org/officeDocument/2006/relationships" xmlns:p="http://schemas.openxmlformats.org/presentationml/2006/main">
+  <p:cSld>
+    <p:spTree>
+      <p:nvGrpSpPr>
+        <p:cNvPr id="1" name=""/>
+        <p:cNvGrpSpPr/>
+        <p:nvPr/>
+      </p:nvGrpSpPr>
+      <p:grpSpPr>
+        <a:xfrm>
+          <a:off x="0" y="0"/>
+          <a:ext cx="0" cy="0"/>
+          <a:chOff x="0" y="0"/>
+          <a:chExt cx="0" cy="0"/>
+        </a:xfrm>
+      </p:grpSpPr>
+      <p:sp>
+        <p:nvSpPr>
+          <p:cNvPr id="2" name="TextBox 1"/>
+          <p:cNvSpPr txBox="1"/>
+          <p:nvPr/>
+        </p:nvSpPr>
+        <p:spPr>
+          <a:xfrm>
+            <a:off x="0" y="1232966"/>
+            <a:ext cx="12506179" cy="1077218"/>
+          </a:xfrm>
+          <a:prstGeom prst="rect">
+            <a:avLst/>
+          </a:prstGeom>
+          <a:noFill/>
+        </p:spPr>
+        <p:txBody>
+          <a:bodyPr wrap="square" rtlCol="0">
+            <a:spAutoFit/>
+          </a:bodyPr>
+          <a:lstStyle/>
+          <a:p>
+            <a:pPr marL="285750" indent="-285750">
+              <a:buFont typeface="Arial" panose="020B0604020202020204" pitchFamily="34" charset="0"/>
+              <a:buChar char="•"/>
+            </a:pPr>
+            <a:r>
+              <a:rPr lang="ko-KR" altLang="en-US" sz="3200" b="1" dirty="0"/>
+              <a:t>기능 관련 </a:t>
+            </a:r>
+            <a:r>
+              <a:rPr lang="en-US" altLang="ko-KR" sz="3200" b="1" dirty="0"/>
+              <a:t>API : </a:t>
+            </a:r>
+            <a:r>
+              <a:rPr lang="ko-KR" altLang="en-US" sz="3200" b="1" dirty="0" err="1"/>
+              <a:t>리모트미팅</a:t>
+            </a:r>
+            <a:r>
+              <a:rPr lang="en-US" altLang="ko-KR" sz="3200" b="1" dirty="0"/>
+              <a:t> (https://developers.remotemeeting.com/docs/)</a:t>
+            </a:r>
+            <a:endParaRPr lang="ko-KR" altLang="en-US" sz="3200" b="1" dirty="0"/>
+          </a:p>
+        </p:txBody>
+      </p:sp>
+      <p:sp>
+        <p:nvSpPr>
+          <p:cNvPr id="7" name="제목 1"/>
+          <p:cNvSpPr txBox="1">
+            <a:spLocks/>
+          </p:cNvSpPr>
+          <p:nvPr/>
+        </p:nvSpPr>
+        <p:spPr>
+          <a:xfrm>
+            <a:off x="-769033" y="154745"/>
+            <a:ext cx="9144000" cy="808966"/>
+          </a:xfrm>
+          <a:prstGeom prst="rect">
+            <a:avLst/>
+          </a:prstGeom>
+        </p:spPr>
+        <p:txBody>
+          <a:bodyPr vert="horz" lIns="91440" tIns="45720" rIns="91440" bIns="45720" rtlCol="0" anchor="b">
+            <a:normAutofit/>
+          </a:bodyPr>
+          <a:lstStyle>
+            <a:lvl1pPr algn="ctr" defTabSz="914400" rtl="0" eaLnBrk="1" latinLnBrk="1" hangingPunct="1">
+              <a:lnSpc>
+                <a:spcPct val="90000"/>
+              </a:lnSpc>
+              <a:spcBef>
+                <a:spcPct val="0"/>
+              </a:spcBef>
+              <a:buNone/>
+              <a:defRPr sz="6000" kern="1200">
+                <a:solidFill>
+                  <a:schemeClr val="tx1"/>
+                </a:solidFill>
+                <a:latin typeface="+mj-lt"/>
+                <a:ea typeface="+mj-ea"/>
+                <a:cs typeface="+mj-cs"/>
+              </a:defRPr>
+            </a:lvl1pPr>
+          </a:lstStyle>
+          <a:p>
+            <a:r>
+              <a:rPr lang="en-US" altLang="ko-KR" sz="4600" b="1" dirty="0">
+                <a:latin typeface="+mn-ea"/>
+                <a:ea typeface="+mn-ea"/>
+              </a:rPr>
+              <a:t>02. </a:t>
+            </a:r>
+            <a:r>
+              <a:rPr lang="ko-KR" altLang="en-US" sz="4600" b="1" dirty="0">
+                <a:latin typeface="+mn-ea"/>
+                <a:ea typeface="+mn-ea"/>
+              </a:rPr>
+              <a:t>실시간 도면 상담 기능</a:t>
+            </a:r>
+          </a:p>
+        </p:txBody>
+      </p:sp>
+      <p:pic>
+        <p:nvPicPr>
           <p:cNvPr id="3" name="그림 2"/>
           <p:cNvPicPr>
             <a:picLocks noChangeAspect="1"/>
@@ -3847,6 +4119,354 @@
         </p:blipFill>
         <p:spPr>
           <a:xfrm>
+            <a:off x="3274698" y="2310184"/>
+            <a:ext cx="5956781" cy="4311442"/>
+          </a:xfrm>
+          <a:prstGeom prst="rect">
+            <a:avLst/>
+          </a:prstGeom>
+          <a:ln>
+            <a:noFill/>
+          </a:ln>
+          <a:effectLst>
+            <a:outerShdw blurRad="292100" dist="139700" dir="2700000" algn="tl" rotWithShape="0">
+              <a:srgbClr val="333333">
+                <a:alpha val="65000"/>
+              </a:srgbClr>
+            </a:outerShdw>
+          </a:effectLst>
+        </p:spPr>
+      </p:pic>
+    </p:spTree>
+    <p:extLst>
+      <p:ext uri="{BB962C8B-B14F-4D97-AF65-F5344CB8AC3E}">
+        <p14:creationId xmlns:p14="http://schemas.microsoft.com/office/powerpoint/2010/main" val="3087315060"/>
+      </p:ext>
+    </p:extLst>
+  </p:cSld>
+  <p:clrMapOvr>
+    <a:masterClrMapping/>
+  </p:clrMapOvr>
+</p:sld>
+</file>
+
+<file path=ppt/slides/slide16.xml><?xml version="1.0" encoding="utf-8"?>
+<p:sld xmlns:a="http://schemas.openxmlformats.org/drawingml/2006/main" xmlns:r="http://schemas.openxmlformats.org/officeDocument/2006/relationships" xmlns:p="http://schemas.openxmlformats.org/presentationml/2006/main">
+  <p:cSld>
+    <p:spTree>
+      <p:nvGrpSpPr>
+        <p:cNvPr id="1" name=""/>
+        <p:cNvGrpSpPr/>
+        <p:nvPr/>
+      </p:nvGrpSpPr>
+      <p:grpSpPr>
+        <a:xfrm>
+          <a:off x="0" y="0"/>
+          <a:ext cx="0" cy="0"/>
+          <a:chOff x="0" y="0"/>
+          <a:chExt cx="0" cy="0"/>
+        </a:xfrm>
+      </p:grpSpPr>
+      <p:sp>
+        <p:nvSpPr>
+          <p:cNvPr id="2" name="TextBox 1"/>
+          <p:cNvSpPr txBox="1"/>
+          <p:nvPr/>
+        </p:nvSpPr>
+        <p:spPr>
+          <a:xfrm>
+            <a:off x="0" y="1232966"/>
+            <a:ext cx="12506179" cy="1077218"/>
+          </a:xfrm>
+          <a:prstGeom prst="rect">
+            <a:avLst/>
+          </a:prstGeom>
+          <a:noFill/>
+        </p:spPr>
+        <p:txBody>
+          <a:bodyPr wrap="square" rtlCol="0">
+            <a:spAutoFit/>
+          </a:bodyPr>
+          <a:lstStyle/>
+          <a:p>
+            <a:pPr marL="285750" indent="-285750">
+              <a:buFont typeface="Arial" panose="020B0604020202020204" pitchFamily="34" charset="0"/>
+              <a:buChar char="•"/>
+            </a:pPr>
+            <a:r>
+              <a:rPr lang="ko-KR" altLang="en-US" sz="3200" b="1" dirty="0"/>
+              <a:t>기능 관련 </a:t>
+            </a:r>
+            <a:r>
+              <a:rPr lang="en-US" altLang="ko-KR" sz="3200" b="1" dirty="0"/>
+              <a:t>API : </a:t>
+            </a:r>
+            <a:r>
+              <a:rPr lang="ko-KR" altLang="en-US" sz="3200" b="1" dirty="0" err="1"/>
+              <a:t>리모트미팅</a:t>
+            </a:r>
+            <a:r>
+              <a:rPr lang="en-US" altLang="ko-KR" sz="3200" b="1" dirty="0"/>
+              <a:t> (https://developers.remotemeeting.com/docs/)</a:t>
+            </a:r>
+            <a:endParaRPr lang="ko-KR" altLang="en-US" sz="3200" b="1" dirty="0"/>
+          </a:p>
+        </p:txBody>
+      </p:sp>
+      <p:sp>
+        <p:nvSpPr>
+          <p:cNvPr id="7" name="제목 1"/>
+          <p:cNvSpPr txBox="1">
+            <a:spLocks/>
+          </p:cNvSpPr>
+          <p:nvPr/>
+        </p:nvSpPr>
+        <p:spPr>
+          <a:xfrm>
+            <a:off x="-769033" y="154745"/>
+            <a:ext cx="9144000" cy="808966"/>
+          </a:xfrm>
+          <a:prstGeom prst="rect">
+            <a:avLst/>
+          </a:prstGeom>
+        </p:spPr>
+        <p:txBody>
+          <a:bodyPr vert="horz" lIns="91440" tIns="45720" rIns="91440" bIns="45720" rtlCol="0" anchor="b">
+            <a:normAutofit/>
+          </a:bodyPr>
+          <a:lstStyle>
+            <a:lvl1pPr algn="ctr" defTabSz="914400" rtl="0" eaLnBrk="1" latinLnBrk="1" hangingPunct="1">
+              <a:lnSpc>
+                <a:spcPct val="90000"/>
+              </a:lnSpc>
+              <a:spcBef>
+                <a:spcPct val="0"/>
+              </a:spcBef>
+              <a:buNone/>
+              <a:defRPr sz="6000" kern="1200">
+                <a:solidFill>
+                  <a:schemeClr val="tx1"/>
+                </a:solidFill>
+                <a:latin typeface="+mj-lt"/>
+                <a:ea typeface="+mj-ea"/>
+                <a:cs typeface="+mj-cs"/>
+              </a:defRPr>
+            </a:lvl1pPr>
+          </a:lstStyle>
+          <a:p>
+            <a:r>
+              <a:rPr lang="en-US" altLang="ko-KR" sz="4600" b="1" dirty="0">
+                <a:latin typeface="+mn-ea"/>
+                <a:ea typeface="+mn-ea"/>
+              </a:rPr>
+              <a:t>02. </a:t>
+            </a:r>
+            <a:r>
+              <a:rPr lang="ko-KR" altLang="en-US" sz="4600" b="1" dirty="0">
+                <a:latin typeface="+mn-ea"/>
+                <a:ea typeface="+mn-ea"/>
+              </a:rPr>
+              <a:t>실시간 도면 상담 기능</a:t>
+            </a:r>
+          </a:p>
+        </p:txBody>
+      </p:sp>
+      <p:pic>
+        <p:nvPicPr>
+          <p:cNvPr id="4" name="그림 3"/>
+          <p:cNvPicPr>
+            <a:picLocks noChangeAspect="1"/>
+          </p:cNvPicPr>
+          <p:nvPr/>
+        </p:nvPicPr>
+        <p:blipFill>
+          <a:blip r:embed="rId2">
+            <a:extLst>
+              <a:ext uri="{28A0092B-C50C-407E-A947-70E740481C1C}">
+                <a14:useLocalDpi xmlns:a14="http://schemas.microsoft.com/office/drawing/2010/main" val="0"/>
+              </a:ext>
+            </a:extLst>
+          </a:blip>
+          <a:stretch>
+            <a:fillRect/>
+          </a:stretch>
+        </p:blipFill>
+        <p:spPr>
+          <a:xfrm>
+            <a:off x="1778808" y="2579439"/>
+            <a:ext cx="9505278" cy="3682887"/>
+          </a:xfrm>
+          <a:prstGeom prst="rect">
+            <a:avLst/>
+          </a:prstGeom>
+          <a:ln>
+            <a:noFill/>
+          </a:ln>
+          <a:effectLst>
+            <a:outerShdw blurRad="292100" dist="139700" dir="2700000" algn="tl" rotWithShape="0">
+              <a:srgbClr val="333333">
+                <a:alpha val="65000"/>
+              </a:srgbClr>
+            </a:outerShdw>
+          </a:effectLst>
+        </p:spPr>
+      </p:pic>
+    </p:spTree>
+    <p:extLst>
+      <p:ext uri="{BB962C8B-B14F-4D97-AF65-F5344CB8AC3E}">
+        <p14:creationId xmlns:p14="http://schemas.microsoft.com/office/powerpoint/2010/main" val="3656706343"/>
+      </p:ext>
+    </p:extLst>
+  </p:cSld>
+  <p:clrMapOvr>
+    <a:masterClrMapping/>
+  </p:clrMapOvr>
+</p:sld>
+</file>
+
+<file path=ppt/slides/slide17.xml><?xml version="1.0" encoding="utf-8"?>
+<p:sld xmlns:a="http://schemas.openxmlformats.org/drawingml/2006/main" xmlns:r="http://schemas.openxmlformats.org/officeDocument/2006/relationships" xmlns:p="http://schemas.openxmlformats.org/presentationml/2006/main">
+  <p:cSld>
+    <p:spTree>
+      <p:nvGrpSpPr>
+        <p:cNvPr id="1" name=""/>
+        <p:cNvGrpSpPr/>
+        <p:nvPr/>
+      </p:nvGrpSpPr>
+      <p:grpSpPr>
+        <a:xfrm>
+          <a:off x="0" y="0"/>
+          <a:ext cx="0" cy="0"/>
+          <a:chOff x="0" y="0"/>
+          <a:chExt cx="0" cy="0"/>
+        </a:xfrm>
+      </p:grpSpPr>
+      <p:sp>
+        <p:nvSpPr>
+          <p:cNvPr id="2" name="TextBox 1"/>
+          <p:cNvSpPr txBox="1"/>
+          <p:nvPr/>
+        </p:nvSpPr>
+        <p:spPr>
+          <a:xfrm>
+            <a:off x="0" y="1232966"/>
+            <a:ext cx="12506179" cy="1077218"/>
+          </a:xfrm>
+          <a:prstGeom prst="rect">
+            <a:avLst/>
+          </a:prstGeom>
+          <a:noFill/>
+        </p:spPr>
+        <p:txBody>
+          <a:bodyPr wrap="square" rtlCol="0">
+            <a:spAutoFit/>
+          </a:bodyPr>
+          <a:lstStyle/>
+          <a:p>
+            <a:pPr marL="285750" indent="-285750">
+              <a:buFont typeface="Arial" panose="020B0604020202020204" pitchFamily="34" charset="0"/>
+              <a:buChar char="•"/>
+            </a:pPr>
+            <a:r>
+              <a:rPr lang="ko-KR" altLang="en-US" sz="3200" b="1" dirty="0"/>
+              <a:t>기능 관련 </a:t>
+            </a:r>
+            <a:r>
+              <a:rPr lang="en-US" altLang="ko-KR" sz="3200" b="1" dirty="0"/>
+              <a:t>API : </a:t>
+            </a:r>
+            <a:r>
+              <a:rPr lang="ko-KR" altLang="en-US" sz="3200" b="1" dirty="0" err="1"/>
+              <a:t>리모트미팅</a:t>
+            </a:r>
+            <a:r>
+              <a:rPr lang="en-US" altLang="ko-KR" sz="3200" b="1" dirty="0"/>
+              <a:t> (https://developers.remotemeeting.com/docs/)</a:t>
+            </a:r>
+            <a:endParaRPr lang="ko-KR" altLang="en-US" sz="3200" b="1" dirty="0"/>
+          </a:p>
+        </p:txBody>
+      </p:sp>
+      <p:sp>
+        <p:nvSpPr>
+          <p:cNvPr id="7" name="제목 1"/>
+          <p:cNvSpPr txBox="1">
+            <a:spLocks/>
+          </p:cNvSpPr>
+          <p:nvPr/>
+        </p:nvSpPr>
+        <p:spPr>
+          <a:xfrm>
+            <a:off x="-769033" y="154745"/>
+            <a:ext cx="9144000" cy="808966"/>
+          </a:xfrm>
+          <a:prstGeom prst="rect">
+            <a:avLst/>
+          </a:prstGeom>
+        </p:spPr>
+        <p:txBody>
+          <a:bodyPr vert="horz" lIns="91440" tIns="45720" rIns="91440" bIns="45720" rtlCol="0" anchor="b">
+            <a:normAutofit/>
+          </a:bodyPr>
+          <a:lstStyle>
+            <a:lvl1pPr algn="ctr" defTabSz="914400" rtl="0" eaLnBrk="1" latinLnBrk="1" hangingPunct="1">
+              <a:lnSpc>
+                <a:spcPct val="90000"/>
+              </a:lnSpc>
+              <a:spcBef>
+                <a:spcPct val="0"/>
+              </a:spcBef>
+              <a:buNone/>
+              <a:defRPr sz="6000" kern="1200">
+                <a:solidFill>
+                  <a:schemeClr val="tx1"/>
+                </a:solidFill>
+                <a:latin typeface="+mj-lt"/>
+                <a:ea typeface="+mj-ea"/>
+                <a:cs typeface="+mj-cs"/>
+              </a:defRPr>
+            </a:lvl1pPr>
+          </a:lstStyle>
+          <a:p>
+            <a:r>
+              <a:rPr lang="en-US" altLang="ko-KR" sz="4600" b="1" dirty="0">
+                <a:latin typeface="+mn-ea"/>
+                <a:ea typeface="+mn-ea"/>
+              </a:rPr>
+              <a:t>02. </a:t>
+            </a:r>
+            <a:r>
+              <a:rPr lang="ko-KR" altLang="en-US" sz="4600" b="1" dirty="0">
+                <a:latin typeface="+mn-ea"/>
+                <a:ea typeface="+mn-ea"/>
+              </a:rPr>
+              <a:t>실시간 도면 상담 기능</a:t>
+            </a:r>
+          </a:p>
+        </p:txBody>
+      </p:sp>
+      <p:pic>
+        <p:nvPicPr>
+          <p:cNvPr id="3" name="그림 2"/>
+          <p:cNvPicPr>
+            <a:picLocks noChangeAspect="1"/>
+          </p:cNvPicPr>
+          <p:nvPr/>
+        </p:nvPicPr>
+        <p:blipFill>
+          <a:blip r:embed="rId2">
+            <a:extLst>
+              <a:ext uri="{28A0092B-C50C-407E-A947-70E740481C1C}">
+                <a14:useLocalDpi xmlns:a14="http://schemas.microsoft.com/office/drawing/2010/main" val="0"/>
+              </a:ext>
+            </a:extLst>
+          </a:blip>
+          <a:stretch>
+            <a:fillRect/>
+          </a:stretch>
+        </p:blipFill>
+        <p:spPr>
+          <a:xfrm>
             <a:off x="3579263" y="2310184"/>
             <a:ext cx="4795704" cy="4217118"/>
           </a:xfrm>
@@ -3878,7 +4498,7 @@
 </p:sld>
 </file>
 
-<file path=ppt/slides/slide15.xml><?xml version="1.0" encoding="utf-8"?>
+<file path=ppt/slides/slide18.xml><?xml version="1.0" encoding="utf-8"?>
 <p:sld xmlns:a="http://schemas.openxmlformats.org/drawingml/2006/main" xmlns:r="http://schemas.openxmlformats.org/officeDocument/2006/relationships" xmlns:p="http://schemas.openxmlformats.org/presentationml/2006/main">
   <p:cSld>
     <p:spTree>
@@ -4191,7 +4811,7 @@
 </p:sld>
 </file>
 
-<file path=ppt/slides/slide16.xml><?xml version="1.0" encoding="utf-8"?>
+<file path=ppt/slides/slide19.xml><?xml version="1.0" encoding="utf-8"?>
 <p:sld xmlns:a="http://schemas.openxmlformats.org/drawingml/2006/main" xmlns:r="http://schemas.openxmlformats.org/officeDocument/2006/relationships" xmlns:p="http://schemas.openxmlformats.org/presentationml/2006/main">
   <p:cSld>
     <p:spTree>
@@ -4453,7 +5073,226 @@
 </p:sld>
 </file>
 
-<file path=ppt/slides/slide17.xml><?xml version="1.0" encoding="utf-8"?>
+<file path=ppt/slides/slide2.xml><?xml version="1.0" encoding="utf-8"?>
+<p:sld xmlns:a="http://schemas.openxmlformats.org/drawingml/2006/main" xmlns:r="http://schemas.openxmlformats.org/officeDocument/2006/relationships" xmlns:p="http://schemas.openxmlformats.org/presentationml/2006/main">
+  <p:cSld>
+    <p:spTree>
+      <p:nvGrpSpPr>
+        <p:cNvPr id="1" name=""/>
+        <p:cNvGrpSpPr/>
+        <p:nvPr/>
+      </p:nvGrpSpPr>
+      <p:grpSpPr>
+        <a:xfrm>
+          <a:off x="0" y="0"/>
+          <a:ext cx="0" cy="0"/>
+          <a:chOff x="0" y="0"/>
+          <a:chExt cx="0" cy="0"/>
+        </a:xfrm>
+      </p:grpSpPr>
+      <p:sp>
+        <p:nvSpPr>
+          <p:cNvPr id="2" name="제목 1"/>
+          <p:cNvSpPr txBox="1">
+            <a:spLocks/>
+          </p:cNvSpPr>
+          <p:nvPr/>
+        </p:nvSpPr>
+        <p:spPr>
+          <a:xfrm>
+            <a:off x="649213" y="557895"/>
+            <a:ext cx="9144000" cy="808966"/>
+          </a:xfrm>
+          <a:prstGeom prst="rect">
+            <a:avLst/>
+          </a:prstGeom>
+        </p:spPr>
+        <p:txBody>
+          <a:bodyPr>
+            <a:normAutofit/>
+          </a:bodyPr>
+          <a:lstStyle>
+            <a:lvl1pPr algn="l" defTabSz="914400" rtl="0" eaLnBrk="1" latinLnBrk="1" hangingPunct="1">
+              <a:lnSpc>
+                <a:spcPct val="90000"/>
+              </a:lnSpc>
+              <a:spcBef>
+                <a:spcPct val="0"/>
+              </a:spcBef>
+              <a:buNone/>
+              <a:defRPr sz="4400" kern="1200">
+                <a:solidFill>
+                  <a:schemeClr val="tx1"/>
+                </a:solidFill>
+                <a:latin typeface="+mj-lt"/>
+                <a:ea typeface="+mj-ea"/>
+                <a:cs typeface="+mj-cs"/>
+              </a:defRPr>
+            </a:lvl1pPr>
+          </a:lstStyle>
+          <a:p>
+            <a:r>
+              <a:rPr lang="ko-KR" altLang="en-US" sz="4600" b="1">
+                <a:latin typeface="+mn-ea"/>
+                <a:ea typeface="+mn-ea"/>
+              </a:rPr>
+              <a:t>목차</a:t>
+            </a:r>
+            <a:endParaRPr lang="ko-KR" altLang="en-US" sz="4600" b="1" dirty="0">
+              <a:latin typeface="+mn-ea"/>
+              <a:ea typeface="+mn-ea"/>
+            </a:endParaRPr>
+          </a:p>
+        </p:txBody>
+      </p:sp>
+      <p:sp>
+        <p:nvSpPr>
+          <p:cNvPr id="3" name="제목 1"/>
+          <p:cNvSpPr txBox="1">
+            <a:spLocks/>
+          </p:cNvSpPr>
+          <p:nvPr/>
+        </p:nvSpPr>
+        <p:spPr>
+          <a:xfrm>
+            <a:off x="3280610" y="962378"/>
+            <a:ext cx="9144000" cy="4828271"/>
+          </a:xfrm>
+          <a:prstGeom prst="rect">
+            <a:avLst/>
+          </a:prstGeom>
+        </p:spPr>
+        <p:txBody>
+          <a:bodyPr>
+            <a:normAutofit fontScale="85000" lnSpcReduction="20000"/>
+          </a:bodyPr>
+          <a:lstStyle>
+            <a:lvl1pPr algn="l" defTabSz="914400" rtl="0" eaLnBrk="1" latinLnBrk="1" hangingPunct="1">
+              <a:lnSpc>
+                <a:spcPct val="90000"/>
+              </a:lnSpc>
+              <a:spcBef>
+                <a:spcPct val="0"/>
+              </a:spcBef>
+              <a:buNone/>
+              <a:defRPr sz="4400" kern="1200">
+                <a:solidFill>
+                  <a:schemeClr val="tx1"/>
+                </a:solidFill>
+                <a:latin typeface="+mj-lt"/>
+                <a:ea typeface="+mj-ea"/>
+                <a:cs typeface="+mj-cs"/>
+              </a:defRPr>
+            </a:lvl1pPr>
+          </a:lstStyle>
+          <a:p>
+            <a:pPr>
+              <a:lnSpc>
+                <a:spcPct val="170000"/>
+              </a:lnSpc>
+            </a:pPr>
+            <a:br>
+              <a:rPr lang="en-US" altLang="ko-KR" sz="4600" b="1" dirty="0">
+                <a:latin typeface="+mn-ea"/>
+                <a:ea typeface="+mn-ea"/>
+              </a:rPr>
+            </a:br>
+            <a:r>
+              <a:rPr lang="en-US" altLang="ko-KR" sz="4600" b="1" dirty="0">
+                <a:latin typeface="+mn-ea"/>
+                <a:ea typeface="+mn-ea"/>
+              </a:rPr>
+              <a:t>01.</a:t>
+            </a:r>
+            <a:r>
+              <a:rPr lang="ko-KR" altLang="en-US" sz="4600" b="1" dirty="0">
+                <a:latin typeface="+mn-ea"/>
+                <a:ea typeface="+mn-ea"/>
+              </a:rPr>
+              <a:t> 기능 세부 설명</a:t>
+            </a:r>
+            <a:br>
+              <a:rPr lang="en-US" altLang="ko-KR" sz="4600" b="1" dirty="0">
+                <a:latin typeface="+mn-ea"/>
+                <a:ea typeface="+mn-ea"/>
+              </a:rPr>
+            </a:br>
+            <a:r>
+              <a:rPr lang="en-US" altLang="ko-KR" sz="4600" b="1" dirty="0">
+                <a:latin typeface="+mn-ea"/>
+                <a:ea typeface="+mn-ea"/>
+              </a:rPr>
+              <a:t>02. </a:t>
+            </a:r>
+            <a:r>
+              <a:rPr lang="ko-KR" altLang="en-US" sz="4600" b="1" dirty="0">
+                <a:latin typeface="+mn-ea"/>
+                <a:ea typeface="+mn-ea"/>
+              </a:rPr>
+              <a:t>서비스 흐름도</a:t>
+            </a:r>
+            <a:br>
+              <a:rPr lang="en-US" altLang="ko-KR" sz="4600" b="1" dirty="0">
+                <a:latin typeface="+mn-ea"/>
+                <a:ea typeface="+mn-ea"/>
+              </a:rPr>
+            </a:br>
+            <a:r>
+              <a:rPr lang="en-US" altLang="ko-KR" sz="4600" b="1" dirty="0">
+                <a:latin typeface="+mn-ea"/>
+                <a:ea typeface="+mn-ea"/>
+              </a:rPr>
+              <a:t>03. </a:t>
+            </a:r>
+            <a:r>
+              <a:rPr lang="ko-KR" altLang="en-US" sz="4600" b="1" dirty="0">
+                <a:latin typeface="+mn-ea"/>
+                <a:ea typeface="+mn-ea"/>
+              </a:rPr>
+              <a:t>스토리보드</a:t>
+            </a:r>
+            <a:endParaRPr lang="en-US" altLang="ko-KR" sz="4600" b="1" dirty="0">
+              <a:latin typeface="+mn-ea"/>
+              <a:ea typeface="+mn-ea"/>
+            </a:endParaRPr>
+          </a:p>
+          <a:p>
+            <a:pPr>
+              <a:lnSpc>
+                <a:spcPct val="170000"/>
+              </a:lnSpc>
+            </a:pPr>
+            <a:r>
+              <a:rPr lang="en-US" altLang="ko-KR" sz="4600" b="1" dirty="0">
+                <a:latin typeface="+mn-ea"/>
+                <a:ea typeface="+mn-ea"/>
+              </a:rPr>
+              <a:t>04. </a:t>
+            </a:r>
+            <a:r>
+              <a:rPr lang="ko-KR" altLang="en-US" sz="4600" b="1" dirty="0">
+                <a:latin typeface="+mn-ea"/>
+                <a:ea typeface="+mn-ea"/>
+              </a:rPr>
+              <a:t>자료 조사</a:t>
+            </a:r>
+          </a:p>
+        </p:txBody>
+      </p:sp>
+    </p:spTree>
+    <p:extLst>
+      <p:ext uri="{BB962C8B-B14F-4D97-AF65-F5344CB8AC3E}">
+        <p14:creationId xmlns:p14="http://schemas.microsoft.com/office/powerpoint/2010/main" val="3573554645"/>
+      </p:ext>
+    </p:extLst>
+  </p:cSld>
+  <p:clrMapOvr>
+    <a:masterClrMapping/>
+  </p:clrMapOvr>
+</p:sld>
+</file>
+
+<file path=ppt/slides/slide20.xml><?xml version="1.0" encoding="utf-8"?>
 <p:sld xmlns:a="http://schemas.openxmlformats.org/drawingml/2006/main" xmlns:r="http://schemas.openxmlformats.org/officeDocument/2006/relationships" xmlns:p="http://schemas.openxmlformats.org/presentationml/2006/main">
   <p:cSld>
     <p:spTree>
@@ -4948,7 +5787,7 @@
 </p:sld>
 </file>
 
-<file path=ppt/slides/slide18.xml><?xml version="1.0" encoding="utf-8"?>
+<file path=ppt/slides/slide21.xml><?xml version="1.0" encoding="utf-8"?>
 <p:sld xmlns:a="http://schemas.openxmlformats.org/drawingml/2006/main" xmlns:r="http://schemas.openxmlformats.org/officeDocument/2006/relationships" xmlns:p="http://schemas.openxmlformats.org/presentationml/2006/main">
   <p:cSld>
     <p:spTree>
@@ -5407,7 +6246,7 @@
 </p:sld>
 </file>
 
-<file path=ppt/slides/slide19.xml><?xml version="1.0" encoding="utf-8"?>
+<file path=ppt/slides/slide22.xml><?xml version="1.0" encoding="utf-8"?>
 <p:sld xmlns:a="http://schemas.openxmlformats.org/drawingml/2006/main" xmlns:r="http://schemas.openxmlformats.org/officeDocument/2006/relationships" xmlns:p="http://schemas.openxmlformats.org/presentationml/2006/main">
   <p:cSld>
     <p:spTree>
@@ -5988,148 +6827,7 @@
 </p:sld>
 </file>
 
-<file path=ppt/slides/slide2.xml><?xml version="1.0" encoding="utf-8"?>
-<p:sld xmlns:a="http://schemas.openxmlformats.org/drawingml/2006/main" xmlns:r="http://schemas.openxmlformats.org/officeDocument/2006/relationships" xmlns:p="http://schemas.openxmlformats.org/presentationml/2006/main">
-  <p:cSld>
-    <p:spTree>
-      <p:nvGrpSpPr>
-        <p:cNvPr id="1" name=""/>
-        <p:cNvGrpSpPr/>
-        <p:nvPr/>
-      </p:nvGrpSpPr>
-      <p:grpSpPr>
-        <a:xfrm>
-          <a:off x="0" y="0"/>
-          <a:ext cx="0" cy="0"/>
-          <a:chOff x="0" y="0"/>
-          <a:chExt cx="0" cy="0"/>
-        </a:xfrm>
-      </p:grpSpPr>
-      <p:sp>
-        <p:nvSpPr>
-          <p:cNvPr id="2" name="제목 1"/>
-          <p:cNvSpPr>
-            <a:spLocks noGrp="1"/>
-          </p:cNvSpPr>
-          <p:nvPr>
-            <p:ph type="ctrTitle"/>
-          </p:nvPr>
-        </p:nvSpPr>
-        <p:spPr>
-          <a:xfrm>
-            <a:off x="1524000" y="1122362"/>
-            <a:ext cx="9144000" cy="4828271"/>
-          </a:xfrm>
-        </p:spPr>
-        <p:txBody>
-          <a:bodyPr>
-            <a:normAutofit/>
-          </a:bodyPr>
-          <a:lstStyle/>
-          <a:p>
-            <a:r>
-              <a:rPr lang="en-US" altLang="ko-KR" sz="8000" b="1" dirty="0">
-                <a:latin typeface="+mn-ea"/>
-                <a:ea typeface="+mn-ea"/>
-              </a:rPr>
-              <a:t>SNS + </a:t>
-            </a:r>
-            <a:r>
-              <a:rPr lang="ko-KR" altLang="en-US" sz="8000" b="1" dirty="0">
-                <a:latin typeface="+mn-ea"/>
-                <a:ea typeface="+mn-ea"/>
-              </a:rPr>
-              <a:t>인테리어</a:t>
-            </a:r>
-            <a:br>
-              <a:rPr lang="en-US" altLang="ko-KR" sz="4600" b="1" dirty="0">
-                <a:latin typeface="+mn-ea"/>
-                <a:ea typeface="+mn-ea"/>
-              </a:rPr>
-            </a:br>
-            <a:br>
-              <a:rPr lang="en-US" altLang="ko-KR" sz="4600" b="1" dirty="0">
-                <a:latin typeface="+mn-ea"/>
-                <a:ea typeface="+mn-ea"/>
-              </a:rPr>
-            </a:br>
-            <a:br>
-              <a:rPr lang="en-US" altLang="ko-KR" sz="4600" b="1" dirty="0">
-                <a:latin typeface="+mn-ea"/>
-                <a:ea typeface="+mn-ea"/>
-              </a:rPr>
-            </a:br>
-            <a:r>
-              <a:rPr lang="en-US" altLang="ko-KR" sz="4600" b="1" dirty="0">
-                <a:latin typeface="+mn-ea"/>
-                <a:ea typeface="+mn-ea"/>
-              </a:rPr>
-              <a:t>01.</a:t>
-            </a:r>
-            <a:r>
-              <a:rPr lang="ko-KR" altLang="en-US" sz="4600" b="1" dirty="0">
-                <a:latin typeface="+mn-ea"/>
-                <a:ea typeface="+mn-ea"/>
-              </a:rPr>
-              <a:t> 견적 신청서 작성 기능</a:t>
-            </a:r>
-            <a:br>
-              <a:rPr lang="en-US" altLang="ko-KR" sz="4600" b="1" dirty="0">
-                <a:latin typeface="+mn-ea"/>
-                <a:ea typeface="+mn-ea"/>
-              </a:rPr>
-            </a:br>
-            <a:r>
-              <a:rPr lang="en-US" altLang="ko-KR" sz="4600" b="1" dirty="0">
-                <a:latin typeface="+mn-ea"/>
-                <a:ea typeface="+mn-ea"/>
-              </a:rPr>
-              <a:t>02. </a:t>
-            </a:r>
-            <a:r>
-              <a:rPr lang="ko-KR" altLang="en-US" sz="4600" b="1" dirty="0">
-                <a:latin typeface="+mn-ea"/>
-                <a:ea typeface="+mn-ea"/>
-              </a:rPr>
-              <a:t>실시간 도면 상담 기능</a:t>
-            </a:r>
-            <a:br>
-              <a:rPr lang="en-US" altLang="ko-KR" sz="4600" b="1" dirty="0">
-                <a:latin typeface="+mn-ea"/>
-                <a:ea typeface="+mn-ea"/>
-              </a:rPr>
-            </a:br>
-            <a:r>
-              <a:rPr lang="en-US" altLang="ko-KR" sz="4600" b="1" dirty="0">
-                <a:latin typeface="+mn-ea"/>
-                <a:ea typeface="+mn-ea"/>
-              </a:rPr>
-              <a:t>03. </a:t>
-            </a:r>
-            <a:r>
-              <a:rPr lang="ko-KR" altLang="en-US" sz="4600" b="1" dirty="0">
-                <a:latin typeface="+mn-ea"/>
-                <a:ea typeface="+mn-ea"/>
-              </a:rPr>
-              <a:t>원자재 구매 기능</a:t>
-            </a:r>
-          </a:p>
-        </p:txBody>
-      </p:sp>
-    </p:spTree>
-    <p:extLst>
-      <p:ext uri="{BB962C8B-B14F-4D97-AF65-F5344CB8AC3E}">
-        <p14:creationId xmlns:p14="http://schemas.microsoft.com/office/powerpoint/2010/main" val="3564198850"/>
-      </p:ext>
-    </p:extLst>
-  </p:cSld>
-  <p:clrMapOvr>
-    <a:masterClrMapping/>
-  </p:clrMapOvr>
-</p:sld>
-</file>
-
-<file path=ppt/slides/slide20.xml><?xml version="1.0" encoding="utf-8"?>
+<file path=ppt/slides/slide23.xml><?xml version="1.0" encoding="utf-8"?>
 <p:sld xmlns:a="http://schemas.openxmlformats.org/drawingml/2006/main" xmlns:r="http://schemas.openxmlformats.org/officeDocument/2006/relationships" xmlns:p="http://schemas.openxmlformats.org/presentationml/2006/main">
   <p:cSld>
     <p:spTree>
@@ -6659,7 +7357,6 @@
               <a:rPr lang="ko-KR" altLang="en-US"/>
               <a:t>결제하기</a:t>
             </a:r>
-            <a:endParaRPr lang="ko-KR" altLang="en-US"/>
           </a:p>
         </p:txBody>
       </p:sp>
@@ -6676,7 +7373,7 @@
 </p:sld>
 </file>
 
-<file path=ppt/slides/slide21.xml><?xml version="1.0" encoding="utf-8"?>
+<file path=ppt/slides/slide24.xml><?xml version="1.0" encoding="utf-8"?>
 <p:sld xmlns:a="http://schemas.openxmlformats.org/drawingml/2006/main" xmlns:r="http://schemas.openxmlformats.org/officeDocument/2006/relationships" xmlns:p="http://schemas.openxmlformats.org/presentationml/2006/main">
   <p:cSld>
     <p:spTree>
@@ -7241,7 +7938,7 @@
 </p:sld>
 </file>
 
-<file path=ppt/slides/slide22.xml><?xml version="1.0" encoding="utf-8"?>
+<file path=ppt/slides/slide25.xml><?xml version="1.0" encoding="utf-8"?>
 <p:sld xmlns:a="http://schemas.openxmlformats.org/drawingml/2006/main" xmlns:r="http://schemas.openxmlformats.org/officeDocument/2006/relationships" xmlns:p="http://schemas.openxmlformats.org/presentationml/2006/main">
   <p:cSld>
     <p:spTree>
@@ -7569,7 +8266,7 @@
 </p:sld>
 </file>
 
-<file path=ppt/slides/slide23.xml><?xml version="1.0" encoding="utf-8"?>
+<file path=ppt/slides/slide26.xml><?xml version="1.0" encoding="utf-8"?>
 <p:sld xmlns:a="http://schemas.openxmlformats.org/drawingml/2006/main" xmlns:r="http://schemas.openxmlformats.org/officeDocument/2006/relationships" xmlns:p="http://schemas.openxmlformats.org/presentationml/2006/main">
   <p:cSld>
     <p:spTree>
@@ -7871,191 +8568,547 @@
       </p:grpSpPr>
       <p:sp>
         <p:nvSpPr>
-          <p:cNvPr id="5" name="제목 1"/>
-          <p:cNvSpPr>
-            <a:spLocks noGrp="1"/>
+          <p:cNvPr id="4" name="텍스트 개체 틀 10"/>
+          <p:cNvSpPr txBox="1">
+            <a:spLocks/>
           </p:cNvSpPr>
-          <p:nvPr>
-            <p:ph type="ctrTitle"/>
-          </p:nvPr>
-        </p:nvSpPr>
-        <p:spPr>
-          <a:xfrm>
-            <a:off x="-529882" y="196948"/>
-            <a:ext cx="9144000" cy="808966"/>
-          </a:xfrm>
-        </p:spPr>
-        <p:txBody>
-          <a:bodyPr>
-            <a:normAutofit/>
-          </a:bodyPr>
-          <a:lstStyle/>
-          <a:p>
-            <a:r>
-              <a:rPr lang="en-US" altLang="ko-KR" sz="4600" b="1" dirty="0">
-                <a:latin typeface="+mn-ea"/>
-                <a:ea typeface="+mn-ea"/>
-              </a:rPr>
-              <a:t>00. </a:t>
-            </a:r>
-            <a:r>
-              <a:rPr lang="ko-KR" altLang="en-US" sz="4600" b="1" dirty="0">
-                <a:latin typeface="+mn-ea"/>
-                <a:ea typeface="+mn-ea"/>
-              </a:rPr>
-              <a:t>메인 화면 </a:t>
-            </a:r>
-            <a:r>
-              <a:rPr lang="en-US" altLang="ko-KR" sz="4600" b="1" dirty="0">
-                <a:latin typeface="+mn-ea"/>
-                <a:ea typeface="+mn-ea"/>
-              </a:rPr>
-              <a:t>– </a:t>
-            </a:r>
-            <a:r>
-              <a:rPr lang="ko-KR" altLang="en-US" sz="4600" b="1" dirty="0">
-                <a:latin typeface="+mn-ea"/>
-                <a:ea typeface="+mn-ea"/>
-              </a:rPr>
-              <a:t>웹 </a:t>
-            </a:r>
-            <a:r>
-              <a:rPr lang="en-US" altLang="ko-KR" sz="4600" b="1" dirty="0">
-                <a:latin typeface="+mn-ea"/>
-                <a:ea typeface="+mn-ea"/>
-              </a:rPr>
-              <a:t>&amp; </a:t>
-            </a:r>
-            <a:r>
-              <a:rPr lang="ko-KR" altLang="en-US" sz="4600" b="1" dirty="0">
-                <a:latin typeface="+mn-ea"/>
-                <a:ea typeface="+mn-ea"/>
-              </a:rPr>
-              <a:t>모바일</a:t>
-            </a:r>
-          </a:p>
-        </p:txBody>
-      </p:sp>
-      <p:pic>
-        <p:nvPicPr>
-          <p:cNvPr id="2" name="그림 1"/>
-          <p:cNvPicPr>
-            <a:picLocks noChangeAspect="1"/>
-          </p:cNvPicPr>
           <p:nvPr/>
-        </p:nvPicPr>
-        <p:blipFill>
-          <a:blip r:embed="rId2">
-            <a:extLst>
-              <a:ext uri="{28A0092B-C50C-407E-A947-70E740481C1C}">
-                <a14:useLocalDpi xmlns:a14="http://schemas.microsoft.com/office/drawing/2010/main" val="0"/>
-              </a:ext>
-            </a:extLst>
-          </a:blip>
-          <a:stretch>
-            <a:fillRect/>
-          </a:stretch>
-        </p:blipFill>
-        <p:spPr>
-          <a:xfrm>
-            <a:off x="2348561" y="1362301"/>
-            <a:ext cx="7494879" cy="5018818"/>
-          </a:xfrm>
-          <a:prstGeom prst="rect">
-            <a:avLst/>
+        </p:nvSpPr>
+        <p:spPr>
+          <a:xfrm>
+            <a:off x="6502371" y="4618623"/>
+            <a:ext cx="1889683" cy="353314"/>
+          </a:xfrm>
+          <a:prstGeom prst="roundRect">
+            <a:avLst>
+              <a:gd name="adj" fmla="val 50000"/>
+            </a:avLst>
           </a:prstGeom>
           <a:ln>
-            <a:noFill/>
+            <a:solidFill>
+              <a:srgbClr val="1B162C"/>
+            </a:solidFill>
           </a:ln>
-          <a:effectLst>
-            <a:outerShdw blurRad="190500" algn="tl" rotWithShape="0">
-              <a:srgbClr val="000000">
-                <a:alpha val="70000"/>
-              </a:srgbClr>
-            </a:outerShdw>
-          </a:effectLst>
-        </p:spPr>
-      </p:pic>
-      <p:sp>
-        <p:nvSpPr>
-          <p:cNvPr id="4" name="직사각형 3"/>
-          <p:cNvSpPr/>
-          <p:nvPr/>
-        </p:nvSpPr>
-        <p:spPr>
-          <a:xfrm>
-            <a:off x="7588250" y="1362301"/>
-            <a:ext cx="2255190" cy="780730"/>
-          </a:xfrm>
-          <a:prstGeom prst="rect">
-            <a:avLst/>
-          </a:prstGeom>
-          <a:solidFill>
-            <a:schemeClr val="bg1"/>
-          </a:solidFill>
-          <a:ln>
-            <a:noFill/>
-          </a:ln>
         </p:spPr>
         <p:style>
-          <a:lnRef idx="2">
-            <a:schemeClr val="accent1">
-              <a:shade val="50000"/>
-            </a:schemeClr>
+          <a:lnRef idx="1">
+            <a:schemeClr val="accent1"/>
           </a:lnRef>
-          <a:fillRef idx="1">
+          <a:fillRef idx="0">
             <a:schemeClr val="accent1"/>
           </a:fillRef>
           <a:effectRef idx="0">
             <a:schemeClr val="accent1"/>
           </a:effectRef>
           <a:fontRef idx="minor">
-            <a:schemeClr val="lt1"/>
+            <a:schemeClr val="tx1"/>
           </a:fontRef>
         </p:style>
         <p:txBody>
-          <a:bodyPr rtlCol="0" anchor="ctr"/>
-          <a:lstStyle/>
+          <a:bodyPr rot="0" spcFirstLastPara="0" vertOverflow="overflow" horzOverflow="overflow" vert="horz" wrap="square" lIns="91440" tIns="45720" rIns="91440" bIns="45720" numCol="1" spcCol="0" rtlCol="0" fromWordArt="0" anchor="ctr" anchorCtr="0" forceAA="0" compatLnSpc="1">
+            <a:prstTxWarp prst="textNoShape">
+              <a:avLst/>
+            </a:prstTxWarp>
+            <a:noAutofit/>
+          </a:bodyPr>
+          <a:lstStyle>
+            <a:lvl1pPr marL="0" indent="0" algn="r" defTabSz="914400" rtl="0" eaLnBrk="1" latinLnBrk="1" hangingPunct="1">
+              <a:lnSpc>
+                <a:spcPct val="100000"/>
+              </a:lnSpc>
+              <a:spcBef>
+                <a:spcPts val="1000"/>
+              </a:spcBef>
+              <a:buFont typeface="Arial" panose="020B0604020202020204" pitchFamily="34" charset="0"/>
+              <a:buNone/>
+              <a:defRPr lang="ko-KR" altLang="en-US" sz="1400" kern="1200" dirty="0" smtClean="0">
+                <a:ln>
+                  <a:solidFill>
+                    <a:srgbClr val="1B162C">
+                      <a:alpha val="0"/>
+                    </a:srgbClr>
+                  </a:solidFill>
+                </a:ln>
+                <a:solidFill>
+                  <a:schemeClr val="lt1"/>
+                </a:solidFill>
+                <a:latin typeface="+mn-lt"/>
+                <a:ea typeface="+mn-ea"/>
+                <a:cs typeface="+mn-cs"/>
+              </a:defRPr>
+            </a:lvl1pPr>
+            <a:lvl2pPr marL="457200" indent="0" algn="l" defTabSz="914400" rtl="0" eaLnBrk="1" latinLnBrk="1" hangingPunct="1">
+              <a:lnSpc>
+                <a:spcPct val="100000"/>
+              </a:lnSpc>
+              <a:spcBef>
+                <a:spcPts val="500"/>
+              </a:spcBef>
+              <a:buFont typeface="Arial" panose="020B0604020202020204" pitchFamily="34" charset="0"/>
+              <a:buNone/>
+              <a:defRPr sz="2400" kern="1200">
+                <a:ln>
+                  <a:solidFill>
+                    <a:srgbClr val="1B162C">
+                      <a:alpha val="0"/>
+                    </a:srgbClr>
+                  </a:solidFill>
+                </a:ln>
+                <a:solidFill>
+                  <a:schemeClr val="lt1"/>
+                </a:solidFill>
+                <a:latin typeface="+mn-lt"/>
+                <a:ea typeface="+mn-ea"/>
+                <a:cs typeface="+mn-cs"/>
+              </a:defRPr>
+            </a:lvl2pPr>
+            <a:lvl3pPr marL="914400" indent="0" algn="l" defTabSz="914400" rtl="0" eaLnBrk="1" latinLnBrk="1" hangingPunct="1">
+              <a:lnSpc>
+                <a:spcPct val="100000"/>
+              </a:lnSpc>
+              <a:spcBef>
+                <a:spcPts val="500"/>
+              </a:spcBef>
+              <a:buFont typeface="Arial" panose="020B0604020202020204" pitchFamily="34" charset="0"/>
+              <a:buNone/>
+              <a:defRPr sz="2000" kern="1200">
+                <a:ln>
+                  <a:solidFill>
+                    <a:srgbClr val="1B162C">
+                      <a:alpha val="0"/>
+                    </a:srgbClr>
+                  </a:solidFill>
+                </a:ln>
+                <a:solidFill>
+                  <a:schemeClr val="lt1"/>
+                </a:solidFill>
+                <a:latin typeface="+mn-lt"/>
+                <a:ea typeface="+mn-ea"/>
+                <a:cs typeface="+mn-cs"/>
+              </a:defRPr>
+            </a:lvl3pPr>
+            <a:lvl4pPr marL="1371600" indent="0" algn="l" defTabSz="914400" rtl="0" eaLnBrk="1" latinLnBrk="1" hangingPunct="1">
+              <a:lnSpc>
+                <a:spcPct val="100000"/>
+              </a:lnSpc>
+              <a:spcBef>
+                <a:spcPts val="500"/>
+              </a:spcBef>
+              <a:buFont typeface="Arial" panose="020B0604020202020204" pitchFamily="34" charset="0"/>
+              <a:buNone/>
+              <a:defRPr sz="1800" kern="1200">
+                <a:ln>
+                  <a:solidFill>
+                    <a:srgbClr val="1B162C">
+                      <a:alpha val="0"/>
+                    </a:srgbClr>
+                  </a:solidFill>
+                </a:ln>
+                <a:solidFill>
+                  <a:schemeClr val="lt1"/>
+                </a:solidFill>
+                <a:latin typeface="+mn-lt"/>
+                <a:ea typeface="+mn-ea"/>
+                <a:cs typeface="+mn-cs"/>
+              </a:defRPr>
+            </a:lvl4pPr>
+            <a:lvl5pPr marL="1828800" indent="0" algn="l" defTabSz="914400" rtl="0" eaLnBrk="1" latinLnBrk="1" hangingPunct="1">
+              <a:lnSpc>
+                <a:spcPct val="100000"/>
+              </a:lnSpc>
+              <a:spcBef>
+                <a:spcPts val="500"/>
+              </a:spcBef>
+              <a:buFont typeface="Arial" panose="020B0604020202020204" pitchFamily="34" charset="0"/>
+              <a:buNone/>
+              <a:defRPr sz="1800" kern="1200">
+                <a:ln>
+                  <a:solidFill>
+                    <a:srgbClr val="1B162C">
+                      <a:alpha val="0"/>
+                    </a:srgbClr>
+                  </a:solidFill>
+                </a:ln>
+                <a:solidFill>
+                  <a:schemeClr val="lt1"/>
+                </a:solidFill>
+                <a:latin typeface="+mn-lt"/>
+                <a:ea typeface="+mn-ea"/>
+                <a:cs typeface="+mn-cs"/>
+              </a:defRPr>
+            </a:lvl5pPr>
+            <a:lvl6pPr marL="2514600" indent="-228600" algn="l" defTabSz="914400" rtl="0" eaLnBrk="1" latinLnBrk="1" hangingPunct="1">
+              <a:lnSpc>
+                <a:spcPct val="90000"/>
+              </a:lnSpc>
+              <a:spcBef>
+                <a:spcPts val="500"/>
+              </a:spcBef>
+              <a:buFont typeface="Arial" panose="020B0604020202020204" pitchFamily="34" charset="0"/>
+              <a:buChar char="•"/>
+              <a:defRPr sz="1800" kern="1200">
+                <a:solidFill>
+                  <a:schemeClr val="lt1"/>
+                </a:solidFill>
+                <a:latin typeface="+mn-lt"/>
+                <a:ea typeface="+mn-ea"/>
+                <a:cs typeface="+mn-cs"/>
+              </a:defRPr>
+            </a:lvl6pPr>
+            <a:lvl7pPr marL="2971800" indent="-228600" algn="l" defTabSz="914400" rtl="0" eaLnBrk="1" latinLnBrk="1" hangingPunct="1">
+              <a:lnSpc>
+                <a:spcPct val="90000"/>
+              </a:lnSpc>
+              <a:spcBef>
+                <a:spcPts val="500"/>
+              </a:spcBef>
+              <a:buFont typeface="Arial" panose="020B0604020202020204" pitchFamily="34" charset="0"/>
+              <a:buChar char="•"/>
+              <a:defRPr sz="1800" kern="1200">
+                <a:solidFill>
+                  <a:schemeClr val="lt1"/>
+                </a:solidFill>
+                <a:latin typeface="+mn-lt"/>
+                <a:ea typeface="+mn-ea"/>
+                <a:cs typeface="+mn-cs"/>
+              </a:defRPr>
+            </a:lvl7pPr>
+            <a:lvl8pPr marL="3429000" indent="-228600" algn="l" defTabSz="914400" rtl="0" eaLnBrk="1" latinLnBrk="1" hangingPunct="1">
+              <a:lnSpc>
+                <a:spcPct val="90000"/>
+              </a:lnSpc>
+              <a:spcBef>
+                <a:spcPts val="500"/>
+              </a:spcBef>
+              <a:buFont typeface="Arial" panose="020B0604020202020204" pitchFamily="34" charset="0"/>
+              <a:buChar char="•"/>
+              <a:defRPr sz="1800" kern="1200">
+                <a:solidFill>
+                  <a:schemeClr val="lt1"/>
+                </a:solidFill>
+                <a:latin typeface="+mn-lt"/>
+                <a:ea typeface="+mn-ea"/>
+                <a:cs typeface="+mn-cs"/>
+              </a:defRPr>
+            </a:lvl8pPr>
+            <a:lvl9pPr marL="3886200" indent="-228600" algn="l" defTabSz="914400" rtl="0" eaLnBrk="1" latinLnBrk="1" hangingPunct="1">
+              <a:lnSpc>
+                <a:spcPct val="90000"/>
+              </a:lnSpc>
+              <a:spcBef>
+                <a:spcPts val="500"/>
+              </a:spcBef>
+              <a:buFont typeface="Arial" panose="020B0604020202020204" pitchFamily="34" charset="0"/>
+              <a:buChar char="•"/>
+              <a:defRPr sz="1800" kern="1200">
+                <a:solidFill>
+                  <a:schemeClr val="lt1"/>
+                </a:solidFill>
+                <a:latin typeface="+mn-lt"/>
+                <a:ea typeface="+mn-ea"/>
+                <a:cs typeface="+mn-cs"/>
+              </a:defRPr>
+            </a:lvl9pPr>
+          </a:lstStyle>
           <a:p>
             <a:pPr algn="ctr"/>
-            <a:endParaRPr lang="ko-KR" altLang="en-US"/>
-          </a:p>
-        </p:txBody>
-      </p:sp>
-      <p:pic>
-        <p:nvPicPr>
-          <p:cNvPr id="3" name="그림 2"/>
-          <p:cNvPicPr>
-            <a:picLocks noChangeAspect="1"/>
-          </p:cNvPicPr>
+            <a:r>
+              <a:rPr lang="ko-KR" altLang="en-US" sz="1200" dirty="0">
+                <a:solidFill>
+                  <a:srgbClr val="1B162C"/>
+                </a:solidFill>
+              </a:rPr>
+              <a:t>보러 가기</a:t>
+            </a:r>
+            <a:endParaRPr lang="en-US" altLang="ko-KR" sz="1200" dirty="0">
+              <a:solidFill>
+                <a:srgbClr val="1B162C"/>
+              </a:solidFill>
+            </a:endParaRPr>
+          </a:p>
+        </p:txBody>
+      </p:sp>
+      <p:sp>
+        <p:nvSpPr>
+          <p:cNvPr id="5" name="내용 개체 틀 2"/>
+          <p:cNvSpPr txBox="1">
+            <a:spLocks/>
+          </p:cNvSpPr>
           <p:nvPr/>
-        </p:nvPicPr>
-        <p:blipFill>
-          <a:blip r:embed="rId3">
-            <a:extLst>
-              <a:ext uri="{28A0092B-C50C-407E-A947-70E740481C1C}">
-                <a14:useLocalDpi xmlns:a14="http://schemas.microsoft.com/office/drawing/2010/main" val="0"/>
-              </a:ext>
-            </a:extLst>
-          </a:blip>
-          <a:stretch>
-            <a:fillRect/>
-          </a:stretch>
-        </p:blipFill>
-        <p:spPr>
-          <a:xfrm>
-            <a:off x="9346839" y="1562646"/>
-            <a:ext cx="243835" cy="243835"/>
+        </p:nvSpPr>
+        <p:spPr>
+          <a:xfrm>
+            <a:off x="3331516" y="3258775"/>
+            <a:ext cx="7589922" cy="5279600"/>
           </a:xfrm>
           <a:prstGeom prst="rect">
             <a:avLst/>
           </a:prstGeom>
         </p:spPr>
-      </p:pic>
+        <p:txBody>
+          <a:bodyPr/>
+          <a:lstStyle>
+            <a:lvl1pPr marL="228600" indent="-228600" algn="l" defTabSz="914400" rtl="0" eaLnBrk="1" latinLnBrk="1" hangingPunct="1">
+              <a:lnSpc>
+                <a:spcPct val="90000"/>
+              </a:lnSpc>
+              <a:spcBef>
+                <a:spcPts val="1000"/>
+              </a:spcBef>
+              <a:buFont typeface="Arial" panose="020B0604020202020204" pitchFamily="34" charset="0"/>
+              <a:buChar char="•"/>
+              <a:defRPr sz="2800" kern="1200">
+                <a:solidFill>
+                  <a:schemeClr val="tx1"/>
+                </a:solidFill>
+                <a:latin typeface="+mn-lt"/>
+                <a:ea typeface="+mn-ea"/>
+                <a:cs typeface="+mn-cs"/>
+              </a:defRPr>
+            </a:lvl1pPr>
+            <a:lvl2pPr marL="685800" indent="-228600" algn="l" defTabSz="914400" rtl="0" eaLnBrk="1" latinLnBrk="1" hangingPunct="1">
+              <a:lnSpc>
+                <a:spcPct val="90000"/>
+              </a:lnSpc>
+              <a:spcBef>
+                <a:spcPts val="500"/>
+              </a:spcBef>
+              <a:buFont typeface="Arial" panose="020B0604020202020204" pitchFamily="34" charset="0"/>
+              <a:buChar char="•"/>
+              <a:defRPr sz="2400" kern="1200">
+                <a:solidFill>
+                  <a:schemeClr val="tx1"/>
+                </a:solidFill>
+                <a:latin typeface="+mn-lt"/>
+                <a:ea typeface="+mn-ea"/>
+                <a:cs typeface="+mn-cs"/>
+              </a:defRPr>
+            </a:lvl2pPr>
+            <a:lvl3pPr marL="1143000" indent="-228600" algn="l" defTabSz="914400" rtl="0" eaLnBrk="1" latinLnBrk="1" hangingPunct="1">
+              <a:lnSpc>
+                <a:spcPct val="90000"/>
+              </a:lnSpc>
+              <a:spcBef>
+                <a:spcPts val="500"/>
+              </a:spcBef>
+              <a:buFont typeface="Arial" panose="020B0604020202020204" pitchFamily="34" charset="0"/>
+              <a:buChar char="•"/>
+              <a:defRPr sz="2000" kern="1200">
+                <a:solidFill>
+                  <a:schemeClr val="tx1"/>
+                </a:solidFill>
+                <a:latin typeface="+mn-lt"/>
+                <a:ea typeface="+mn-ea"/>
+                <a:cs typeface="+mn-cs"/>
+              </a:defRPr>
+            </a:lvl3pPr>
+            <a:lvl4pPr marL="1600200" indent="-228600" algn="l" defTabSz="914400" rtl="0" eaLnBrk="1" latinLnBrk="1" hangingPunct="1">
+              <a:lnSpc>
+                <a:spcPct val="90000"/>
+              </a:lnSpc>
+              <a:spcBef>
+                <a:spcPts val="500"/>
+              </a:spcBef>
+              <a:buFont typeface="Arial" panose="020B0604020202020204" pitchFamily="34" charset="0"/>
+              <a:buChar char="•"/>
+              <a:defRPr sz="1800" kern="1200">
+                <a:solidFill>
+                  <a:schemeClr val="tx1"/>
+                </a:solidFill>
+                <a:latin typeface="+mn-lt"/>
+                <a:ea typeface="+mn-ea"/>
+                <a:cs typeface="+mn-cs"/>
+              </a:defRPr>
+            </a:lvl4pPr>
+            <a:lvl5pPr marL="2057400" indent="-228600" algn="l" defTabSz="914400" rtl="0" eaLnBrk="1" latinLnBrk="1" hangingPunct="1">
+              <a:lnSpc>
+                <a:spcPct val="90000"/>
+              </a:lnSpc>
+              <a:spcBef>
+                <a:spcPts val="500"/>
+              </a:spcBef>
+              <a:buFont typeface="Arial" panose="020B0604020202020204" pitchFamily="34" charset="0"/>
+              <a:buChar char="•"/>
+              <a:defRPr sz="1800" kern="1200">
+                <a:solidFill>
+                  <a:schemeClr val="tx1"/>
+                </a:solidFill>
+                <a:latin typeface="+mn-lt"/>
+                <a:ea typeface="+mn-ea"/>
+                <a:cs typeface="+mn-cs"/>
+              </a:defRPr>
+            </a:lvl5pPr>
+            <a:lvl6pPr marL="2514600" indent="-228600" algn="l" defTabSz="914400" rtl="0" eaLnBrk="1" latinLnBrk="1" hangingPunct="1">
+              <a:lnSpc>
+                <a:spcPct val="90000"/>
+              </a:lnSpc>
+              <a:spcBef>
+                <a:spcPts val="500"/>
+              </a:spcBef>
+              <a:buFont typeface="Arial" panose="020B0604020202020204" pitchFamily="34" charset="0"/>
+              <a:buChar char="•"/>
+              <a:defRPr sz="1800" kern="1200">
+                <a:solidFill>
+                  <a:schemeClr val="tx1"/>
+                </a:solidFill>
+                <a:latin typeface="+mn-lt"/>
+                <a:ea typeface="+mn-ea"/>
+                <a:cs typeface="+mn-cs"/>
+              </a:defRPr>
+            </a:lvl6pPr>
+            <a:lvl7pPr marL="2971800" indent="-228600" algn="l" defTabSz="914400" rtl="0" eaLnBrk="1" latinLnBrk="1" hangingPunct="1">
+              <a:lnSpc>
+                <a:spcPct val="90000"/>
+              </a:lnSpc>
+              <a:spcBef>
+                <a:spcPts val="500"/>
+              </a:spcBef>
+              <a:buFont typeface="Arial" panose="020B0604020202020204" pitchFamily="34" charset="0"/>
+              <a:buChar char="•"/>
+              <a:defRPr sz="1800" kern="1200">
+                <a:solidFill>
+                  <a:schemeClr val="tx1"/>
+                </a:solidFill>
+                <a:latin typeface="+mn-lt"/>
+                <a:ea typeface="+mn-ea"/>
+                <a:cs typeface="+mn-cs"/>
+              </a:defRPr>
+            </a:lvl7pPr>
+            <a:lvl8pPr marL="3429000" indent="-228600" algn="l" defTabSz="914400" rtl="0" eaLnBrk="1" latinLnBrk="1" hangingPunct="1">
+              <a:lnSpc>
+                <a:spcPct val="90000"/>
+              </a:lnSpc>
+              <a:spcBef>
+                <a:spcPts val="500"/>
+              </a:spcBef>
+              <a:buFont typeface="Arial" panose="020B0604020202020204" pitchFamily="34" charset="0"/>
+              <a:buChar char="•"/>
+              <a:defRPr sz="1800" kern="1200">
+                <a:solidFill>
+                  <a:schemeClr val="tx1"/>
+                </a:solidFill>
+                <a:latin typeface="+mn-lt"/>
+                <a:ea typeface="+mn-ea"/>
+                <a:cs typeface="+mn-cs"/>
+              </a:defRPr>
+            </a:lvl8pPr>
+            <a:lvl9pPr marL="3886200" indent="-228600" algn="l" defTabSz="914400" rtl="0" eaLnBrk="1" latinLnBrk="1" hangingPunct="1">
+              <a:lnSpc>
+                <a:spcPct val="90000"/>
+              </a:lnSpc>
+              <a:spcBef>
+                <a:spcPts val="500"/>
+              </a:spcBef>
+              <a:buFont typeface="Arial" panose="020B0604020202020204" pitchFamily="34" charset="0"/>
+              <a:buChar char="•"/>
+              <a:defRPr sz="1800" kern="1200">
+                <a:solidFill>
+                  <a:schemeClr val="tx1"/>
+                </a:solidFill>
+                <a:latin typeface="+mn-lt"/>
+                <a:ea typeface="+mn-ea"/>
+                <a:cs typeface="+mn-cs"/>
+              </a:defRPr>
+            </a:lvl9pPr>
+          </a:lstStyle>
+          <a:p>
+            <a:r>
+              <a:rPr lang="ko-KR" altLang="en-US" dirty="0"/>
+              <a:t>아이디어 기능설명서</a:t>
+            </a:r>
+            <a:r>
+              <a:rPr lang="en-US" altLang="ko-KR" dirty="0"/>
+              <a:t>.</a:t>
+            </a:r>
+            <a:r>
+              <a:rPr lang="en-US" altLang="ko-KR" dirty="0" err="1"/>
+              <a:t>hwp</a:t>
+            </a:r>
+            <a:r>
+              <a:rPr lang="ko-KR" altLang="en-US" dirty="0"/>
+              <a:t> 참조</a:t>
+            </a:r>
+          </a:p>
+        </p:txBody>
+      </p:sp>
+      <p:sp>
+        <p:nvSpPr>
+          <p:cNvPr id="6" name="제목 3"/>
+          <p:cNvSpPr txBox="1">
+            <a:spLocks/>
+          </p:cNvSpPr>
+          <p:nvPr/>
+        </p:nvSpPr>
+        <p:spPr>
+          <a:xfrm>
+            <a:off x="2658363" y="2191509"/>
+            <a:ext cx="5733691" cy="1067266"/>
+          </a:xfrm>
+          <a:prstGeom prst="rect">
+            <a:avLst/>
+          </a:prstGeom>
+          <a:effectLst>
+            <a:outerShdw blurRad="50800" dist="38100" dir="2700000" algn="tl" rotWithShape="0">
+              <a:prstClr val="black">
+                <a:alpha val="20000"/>
+              </a:prstClr>
+            </a:outerShdw>
+          </a:effectLst>
+        </p:spPr>
+        <p:txBody>
+          <a:bodyPr>
+            <a:noAutofit/>
+          </a:bodyPr>
+          <a:lstStyle>
+            <a:lvl1pPr algn="l" defTabSz="914400" rtl="0" eaLnBrk="1" latinLnBrk="1" hangingPunct="1">
+              <a:lnSpc>
+                <a:spcPct val="90000"/>
+              </a:lnSpc>
+              <a:spcBef>
+                <a:spcPct val="0"/>
+              </a:spcBef>
+              <a:buNone/>
+              <a:defRPr sz="4400" kern="1200">
+                <a:solidFill>
+                  <a:schemeClr val="tx1"/>
+                </a:solidFill>
+                <a:latin typeface="+mj-lt"/>
+                <a:ea typeface="+mj-ea"/>
+                <a:cs typeface="+mj-cs"/>
+              </a:defRPr>
+            </a:lvl1pPr>
+          </a:lstStyle>
+          <a:p>
+            <a:r>
+              <a:rPr lang="ko-KR" altLang="en-US" sz="4000" dirty="0">
+                <a:ln w="6350">
+                  <a:noFill/>
+                </a:ln>
+                <a:latin typeface="+mn-lt"/>
+              </a:rPr>
+              <a:t>기능 설명서 작성</a:t>
+            </a:r>
+            <a:br>
+              <a:rPr lang="en-US" altLang="ko-KR" sz="2400" dirty="0">
+                <a:ln w="6350">
+                  <a:noFill/>
+                </a:ln>
+                <a:latin typeface="+mn-lt"/>
+              </a:rPr>
+            </a:br>
+            <a:endParaRPr lang="ko-KR" altLang="en-US" sz="1600" dirty="0">
+              <a:ln w="6350">
+                <a:noFill/>
+              </a:ln>
+              <a:latin typeface="+mn-lt"/>
+            </a:endParaRPr>
+          </a:p>
+        </p:txBody>
+      </p:sp>
     </p:spTree>
     <p:extLst>
       <p:ext uri="{BB962C8B-B14F-4D97-AF65-F5344CB8AC3E}">
-        <p14:creationId xmlns:p14="http://schemas.microsoft.com/office/powerpoint/2010/main" val="105287040"/>
+        <p14:creationId xmlns:p14="http://schemas.microsoft.com/office/powerpoint/2010/main" val="2444972668"/>
       </p:ext>
     </p:extLst>
   </p:cSld>
@@ -8084,191 +9137,336 @@
       </p:grpSpPr>
       <p:sp>
         <p:nvSpPr>
-          <p:cNvPr id="5" name="제목 1"/>
-          <p:cNvSpPr>
-            <a:spLocks noGrp="1"/>
+          <p:cNvPr id="4" name="텍스트 개체 틀 10"/>
+          <p:cNvSpPr txBox="1">
+            <a:spLocks/>
           </p:cNvSpPr>
-          <p:nvPr>
-            <p:ph type="ctrTitle"/>
-          </p:nvPr>
-        </p:nvSpPr>
-        <p:spPr>
-          <a:xfrm>
-            <a:off x="-529882" y="196948"/>
-            <a:ext cx="9144000" cy="808966"/>
-          </a:xfrm>
-        </p:spPr>
-        <p:txBody>
-          <a:bodyPr>
-            <a:normAutofit/>
-          </a:bodyPr>
-          <a:lstStyle/>
-          <a:p>
-            <a:r>
-              <a:rPr lang="en-US" altLang="ko-KR" sz="4600" b="1" dirty="0">
-                <a:latin typeface="+mn-ea"/>
-                <a:ea typeface="+mn-ea"/>
-              </a:rPr>
-              <a:t>00. </a:t>
-            </a:r>
-            <a:r>
-              <a:rPr lang="ko-KR" altLang="en-US" sz="4600" b="1" dirty="0">
-                <a:latin typeface="+mn-ea"/>
-                <a:ea typeface="+mn-ea"/>
-              </a:rPr>
-              <a:t>메인 화면 </a:t>
-            </a:r>
-            <a:r>
-              <a:rPr lang="en-US" altLang="ko-KR" sz="4600" b="1" dirty="0">
-                <a:latin typeface="+mn-ea"/>
-                <a:ea typeface="+mn-ea"/>
-              </a:rPr>
-              <a:t>– </a:t>
-            </a:r>
-            <a:r>
-              <a:rPr lang="ko-KR" altLang="en-US" sz="4600" b="1" dirty="0">
-                <a:latin typeface="+mn-ea"/>
-                <a:ea typeface="+mn-ea"/>
-              </a:rPr>
-              <a:t>웹 </a:t>
-            </a:r>
-            <a:r>
-              <a:rPr lang="en-US" altLang="ko-KR" sz="4600" b="1" dirty="0">
-                <a:latin typeface="+mn-ea"/>
-                <a:ea typeface="+mn-ea"/>
-              </a:rPr>
-              <a:t>&amp; </a:t>
-            </a:r>
-            <a:r>
-              <a:rPr lang="ko-KR" altLang="en-US" sz="4600" b="1" dirty="0">
-                <a:latin typeface="+mn-ea"/>
-                <a:ea typeface="+mn-ea"/>
-              </a:rPr>
-              <a:t>모바일</a:t>
-            </a:r>
-          </a:p>
-        </p:txBody>
-      </p:sp>
-      <p:pic>
-        <p:nvPicPr>
-          <p:cNvPr id="3" name="그림 2"/>
-          <p:cNvPicPr>
-            <a:picLocks noChangeAspect="1"/>
-          </p:cNvPicPr>
           <p:nvPr/>
-        </p:nvPicPr>
-        <p:blipFill>
-          <a:blip r:embed="rId2">
-            <a:extLst>
-              <a:ext uri="{28A0092B-C50C-407E-A947-70E740481C1C}">
-                <a14:useLocalDpi xmlns:a14="http://schemas.microsoft.com/office/drawing/2010/main" val="0"/>
-              </a:ext>
-            </a:extLst>
-          </a:blip>
-          <a:stretch>
-            <a:fillRect/>
-          </a:stretch>
-        </p:blipFill>
-        <p:spPr>
-          <a:xfrm rot="16200000">
-            <a:off x="3355576" y="2164131"/>
-            <a:ext cx="5480849" cy="3431547"/>
-          </a:xfrm>
-          <a:prstGeom prst="rect">
-            <a:avLst/>
+        </p:nvSpPr>
+        <p:spPr>
+          <a:xfrm>
+            <a:off x="4312624" y="3258775"/>
+            <a:ext cx="1889683" cy="353314"/>
+          </a:xfrm>
+          <a:prstGeom prst="roundRect">
+            <a:avLst>
+              <a:gd name="adj" fmla="val 50000"/>
+            </a:avLst>
           </a:prstGeom>
           <a:ln>
-            <a:noFill/>
+            <a:solidFill>
+              <a:srgbClr val="1B162C"/>
+            </a:solidFill>
           </a:ln>
-          <a:effectLst>
-            <a:outerShdw blurRad="190500" algn="tl" rotWithShape="0">
-              <a:srgbClr val="000000">
-                <a:alpha val="70000"/>
-              </a:srgbClr>
-            </a:outerShdw>
-          </a:effectLst>
-        </p:spPr>
-      </p:pic>
-      <p:sp>
-        <p:nvSpPr>
-          <p:cNvPr id="4" name="직사각형 3"/>
-          <p:cNvSpPr/>
-          <p:nvPr/>
-        </p:nvSpPr>
-        <p:spPr>
-          <a:xfrm>
-            <a:off x="6629400" y="1190851"/>
-            <a:ext cx="1182374" cy="425224"/>
-          </a:xfrm>
-          <a:prstGeom prst="rect">
-            <a:avLst/>
-          </a:prstGeom>
-          <a:solidFill>
-            <a:schemeClr val="bg1"/>
-          </a:solidFill>
-          <a:ln>
-            <a:noFill/>
-          </a:ln>
         </p:spPr>
         <p:style>
-          <a:lnRef idx="2">
-            <a:schemeClr val="accent1">
-              <a:shade val="50000"/>
-            </a:schemeClr>
+          <a:lnRef idx="1">
+            <a:schemeClr val="accent1"/>
           </a:lnRef>
-          <a:fillRef idx="1">
+          <a:fillRef idx="0">
             <a:schemeClr val="accent1"/>
           </a:fillRef>
           <a:effectRef idx="0">
             <a:schemeClr val="accent1"/>
           </a:effectRef>
           <a:fontRef idx="minor">
-            <a:schemeClr val="lt1"/>
+            <a:schemeClr val="tx1"/>
           </a:fontRef>
         </p:style>
         <p:txBody>
-          <a:bodyPr rtlCol="0" anchor="ctr"/>
-          <a:lstStyle/>
+          <a:bodyPr rot="0" spcFirstLastPara="0" vertOverflow="overflow" horzOverflow="overflow" vert="horz" wrap="square" lIns="91440" tIns="45720" rIns="91440" bIns="45720" numCol="1" spcCol="0" rtlCol="0" fromWordArt="0" anchor="ctr" anchorCtr="0" forceAA="0" compatLnSpc="1">
+            <a:prstTxWarp prst="textNoShape">
+              <a:avLst/>
+            </a:prstTxWarp>
+            <a:noAutofit/>
+          </a:bodyPr>
+          <a:lstStyle>
+            <a:lvl1pPr marL="0" indent="0" algn="r" defTabSz="914400" rtl="0" eaLnBrk="1" latinLnBrk="1" hangingPunct="1">
+              <a:lnSpc>
+                <a:spcPct val="100000"/>
+              </a:lnSpc>
+              <a:spcBef>
+                <a:spcPts val="1000"/>
+              </a:spcBef>
+              <a:buFont typeface="Arial" panose="020B0604020202020204" pitchFamily="34" charset="0"/>
+              <a:buNone/>
+              <a:defRPr lang="ko-KR" altLang="en-US" sz="1400" kern="1200" dirty="0" smtClean="0">
+                <a:ln>
+                  <a:solidFill>
+                    <a:srgbClr val="1B162C">
+                      <a:alpha val="0"/>
+                    </a:srgbClr>
+                  </a:solidFill>
+                </a:ln>
+                <a:solidFill>
+                  <a:schemeClr val="lt1"/>
+                </a:solidFill>
+                <a:latin typeface="+mn-lt"/>
+                <a:ea typeface="+mn-ea"/>
+                <a:cs typeface="+mn-cs"/>
+              </a:defRPr>
+            </a:lvl1pPr>
+            <a:lvl2pPr marL="457200" indent="0" algn="l" defTabSz="914400" rtl="0" eaLnBrk="1" latinLnBrk="1" hangingPunct="1">
+              <a:lnSpc>
+                <a:spcPct val="100000"/>
+              </a:lnSpc>
+              <a:spcBef>
+                <a:spcPts val="500"/>
+              </a:spcBef>
+              <a:buFont typeface="Arial" panose="020B0604020202020204" pitchFamily="34" charset="0"/>
+              <a:buNone/>
+              <a:defRPr sz="2400" kern="1200">
+                <a:ln>
+                  <a:solidFill>
+                    <a:srgbClr val="1B162C">
+                      <a:alpha val="0"/>
+                    </a:srgbClr>
+                  </a:solidFill>
+                </a:ln>
+                <a:solidFill>
+                  <a:schemeClr val="lt1"/>
+                </a:solidFill>
+                <a:latin typeface="+mn-lt"/>
+                <a:ea typeface="+mn-ea"/>
+                <a:cs typeface="+mn-cs"/>
+              </a:defRPr>
+            </a:lvl2pPr>
+            <a:lvl3pPr marL="914400" indent="0" algn="l" defTabSz="914400" rtl="0" eaLnBrk="1" latinLnBrk="1" hangingPunct="1">
+              <a:lnSpc>
+                <a:spcPct val="100000"/>
+              </a:lnSpc>
+              <a:spcBef>
+                <a:spcPts val="500"/>
+              </a:spcBef>
+              <a:buFont typeface="Arial" panose="020B0604020202020204" pitchFamily="34" charset="0"/>
+              <a:buNone/>
+              <a:defRPr sz="2000" kern="1200">
+                <a:ln>
+                  <a:solidFill>
+                    <a:srgbClr val="1B162C">
+                      <a:alpha val="0"/>
+                    </a:srgbClr>
+                  </a:solidFill>
+                </a:ln>
+                <a:solidFill>
+                  <a:schemeClr val="lt1"/>
+                </a:solidFill>
+                <a:latin typeface="+mn-lt"/>
+                <a:ea typeface="+mn-ea"/>
+                <a:cs typeface="+mn-cs"/>
+              </a:defRPr>
+            </a:lvl3pPr>
+            <a:lvl4pPr marL="1371600" indent="0" algn="l" defTabSz="914400" rtl="0" eaLnBrk="1" latinLnBrk="1" hangingPunct="1">
+              <a:lnSpc>
+                <a:spcPct val="100000"/>
+              </a:lnSpc>
+              <a:spcBef>
+                <a:spcPts val="500"/>
+              </a:spcBef>
+              <a:buFont typeface="Arial" panose="020B0604020202020204" pitchFamily="34" charset="0"/>
+              <a:buNone/>
+              <a:defRPr sz="1800" kern="1200">
+                <a:ln>
+                  <a:solidFill>
+                    <a:srgbClr val="1B162C">
+                      <a:alpha val="0"/>
+                    </a:srgbClr>
+                  </a:solidFill>
+                </a:ln>
+                <a:solidFill>
+                  <a:schemeClr val="lt1"/>
+                </a:solidFill>
+                <a:latin typeface="+mn-lt"/>
+                <a:ea typeface="+mn-ea"/>
+                <a:cs typeface="+mn-cs"/>
+              </a:defRPr>
+            </a:lvl4pPr>
+            <a:lvl5pPr marL="1828800" indent="0" algn="l" defTabSz="914400" rtl="0" eaLnBrk="1" latinLnBrk="1" hangingPunct="1">
+              <a:lnSpc>
+                <a:spcPct val="100000"/>
+              </a:lnSpc>
+              <a:spcBef>
+                <a:spcPts val="500"/>
+              </a:spcBef>
+              <a:buFont typeface="Arial" panose="020B0604020202020204" pitchFamily="34" charset="0"/>
+              <a:buNone/>
+              <a:defRPr sz="1800" kern="1200">
+                <a:ln>
+                  <a:solidFill>
+                    <a:srgbClr val="1B162C">
+                      <a:alpha val="0"/>
+                    </a:srgbClr>
+                  </a:solidFill>
+                </a:ln>
+                <a:solidFill>
+                  <a:schemeClr val="lt1"/>
+                </a:solidFill>
+                <a:latin typeface="+mn-lt"/>
+                <a:ea typeface="+mn-ea"/>
+                <a:cs typeface="+mn-cs"/>
+              </a:defRPr>
+            </a:lvl5pPr>
+            <a:lvl6pPr marL="2514600" indent="-228600" algn="l" defTabSz="914400" rtl="0" eaLnBrk="1" latinLnBrk="1" hangingPunct="1">
+              <a:lnSpc>
+                <a:spcPct val="90000"/>
+              </a:lnSpc>
+              <a:spcBef>
+                <a:spcPts val="500"/>
+              </a:spcBef>
+              <a:buFont typeface="Arial" panose="020B0604020202020204" pitchFamily="34" charset="0"/>
+              <a:buChar char="•"/>
+              <a:defRPr sz="1800" kern="1200">
+                <a:solidFill>
+                  <a:schemeClr val="lt1"/>
+                </a:solidFill>
+                <a:latin typeface="+mn-lt"/>
+                <a:ea typeface="+mn-ea"/>
+                <a:cs typeface="+mn-cs"/>
+              </a:defRPr>
+            </a:lvl6pPr>
+            <a:lvl7pPr marL="2971800" indent="-228600" algn="l" defTabSz="914400" rtl="0" eaLnBrk="1" latinLnBrk="1" hangingPunct="1">
+              <a:lnSpc>
+                <a:spcPct val="90000"/>
+              </a:lnSpc>
+              <a:spcBef>
+                <a:spcPts val="500"/>
+              </a:spcBef>
+              <a:buFont typeface="Arial" panose="020B0604020202020204" pitchFamily="34" charset="0"/>
+              <a:buChar char="•"/>
+              <a:defRPr sz="1800" kern="1200">
+                <a:solidFill>
+                  <a:schemeClr val="lt1"/>
+                </a:solidFill>
+                <a:latin typeface="+mn-lt"/>
+                <a:ea typeface="+mn-ea"/>
+                <a:cs typeface="+mn-cs"/>
+              </a:defRPr>
+            </a:lvl7pPr>
+            <a:lvl8pPr marL="3429000" indent="-228600" algn="l" defTabSz="914400" rtl="0" eaLnBrk="1" latinLnBrk="1" hangingPunct="1">
+              <a:lnSpc>
+                <a:spcPct val="90000"/>
+              </a:lnSpc>
+              <a:spcBef>
+                <a:spcPts val="500"/>
+              </a:spcBef>
+              <a:buFont typeface="Arial" panose="020B0604020202020204" pitchFamily="34" charset="0"/>
+              <a:buChar char="•"/>
+              <a:defRPr sz="1800" kern="1200">
+                <a:solidFill>
+                  <a:schemeClr val="lt1"/>
+                </a:solidFill>
+                <a:latin typeface="+mn-lt"/>
+                <a:ea typeface="+mn-ea"/>
+                <a:cs typeface="+mn-cs"/>
+              </a:defRPr>
+            </a:lvl8pPr>
+            <a:lvl9pPr marL="3886200" indent="-228600" algn="l" defTabSz="914400" rtl="0" eaLnBrk="1" latinLnBrk="1" hangingPunct="1">
+              <a:lnSpc>
+                <a:spcPct val="90000"/>
+              </a:lnSpc>
+              <a:spcBef>
+                <a:spcPts val="500"/>
+              </a:spcBef>
+              <a:buFont typeface="Arial" panose="020B0604020202020204" pitchFamily="34" charset="0"/>
+              <a:buChar char="•"/>
+              <a:defRPr sz="1800" kern="1200">
+                <a:solidFill>
+                  <a:schemeClr val="lt1"/>
+                </a:solidFill>
+                <a:latin typeface="+mn-lt"/>
+                <a:ea typeface="+mn-ea"/>
+                <a:cs typeface="+mn-cs"/>
+              </a:defRPr>
+            </a:lvl9pPr>
+          </a:lstStyle>
           <a:p>
             <a:pPr algn="ctr"/>
-            <a:endParaRPr lang="ko-KR" altLang="en-US"/>
-          </a:p>
-        </p:txBody>
-      </p:sp>
-      <p:pic>
-        <p:nvPicPr>
-          <p:cNvPr id="6" name="그림 5"/>
-          <p:cNvPicPr>
-            <a:picLocks noChangeAspect="1"/>
-          </p:cNvPicPr>
+            <a:r>
+              <a:rPr lang="ko-KR" altLang="en-US" sz="1200" dirty="0">
+                <a:solidFill>
+                  <a:srgbClr val="1B162C"/>
+                </a:solidFill>
+              </a:rPr>
+              <a:t>보러 가기</a:t>
+            </a:r>
+            <a:endParaRPr lang="en-US" altLang="ko-KR" sz="1200" dirty="0">
+              <a:solidFill>
+                <a:srgbClr val="1B162C"/>
+              </a:solidFill>
+            </a:endParaRPr>
+          </a:p>
+        </p:txBody>
+      </p:sp>
+      <p:sp>
+        <p:nvSpPr>
+          <p:cNvPr id="6" name="제목 3"/>
+          <p:cNvSpPr txBox="1">
+            <a:spLocks/>
+          </p:cNvSpPr>
           <p:nvPr/>
-        </p:nvPicPr>
-        <p:blipFill>
-          <a:blip r:embed="rId3">
-            <a:extLst>
-              <a:ext uri="{28A0092B-C50C-407E-A947-70E740481C1C}">
-                <a14:useLocalDpi xmlns:a14="http://schemas.microsoft.com/office/drawing/2010/main" val="0"/>
-              </a:ext>
-            </a:extLst>
-          </a:blip>
-          <a:stretch>
-            <a:fillRect/>
-          </a:stretch>
-        </p:blipFill>
-        <p:spPr>
-          <a:xfrm>
-            <a:off x="7570868" y="1318259"/>
-            <a:ext cx="127840" cy="170408"/>
+        </p:nvSpPr>
+        <p:spPr>
+          <a:xfrm>
+            <a:off x="2658363" y="2191509"/>
+            <a:ext cx="5733691" cy="1067266"/>
           </a:xfrm>
           <a:prstGeom prst="rect">
             <a:avLst/>
           </a:prstGeom>
-        </p:spPr>
-      </p:pic>
+          <a:effectLst>
+            <a:outerShdw blurRad="50800" dist="38100" dir="2700000" algn="tl" rotWithShape="0">
+              <a:prstClr val="black">
+                <a:alpha val="20000"/>
+              </a:prstClr>
+            </a:outerShdw>
+          </a:effectLst>
+        </p:spPr>
+        <p:txBody>
+          <a:bodyPr>
+            <a:noAutofit/>
+          </a:bodyPr>
+          <a:lstStyle>
+            <a:lvl1pPr algn="l" defTabSz="914400" rtl="0" eaLnBrk="1" latinLnBrk="1" hangingPunct="1">
+              <a:lnSpc>
+                <a:spcPct val="90000"/>
+              </a:lnSpc>
+              <a:spcBef>
+                <a:spcPct val="0"/>
+              </a:spcBef>
+              <a:buNone/>
+              <a:defRPr sz="4400" kern="1200">
+                <a:solidFill>
+                  <a:schemeClr val="tx1"/>
+                </a:solidFill>
+                <a:latin typeface="+mj-lt"/>
+                <a:ea typeface="+mj-ea"/>
+                <a:cs typeface="+mj-cs"/>
+              </a:defRPr>
+            </a:lvl1pPr>
+          </a:lstStyle>
+          <a:p>
+            <a:r>
+              <a:rPr lang="ko-KR" altLang="en-US" sz="4000" dirty="0">
+                <a:ln w="6350">
+                  <a:noFill/>
+                </a:ln>
+                <a:latin typeface="+mn-lt"/>
+              </a:rPr>
+              <a:t>서비스 흐름도</a:t>
+            </a:r>
+            <a:endParaRPr lang="ko-KR" altLang="en-US" sz="1600" dirty="0">
+              <a:ln w="6350">
+                <a:noFill/>
+              </a:ln>
+              <a:latin typeface="+mn-lt"/>
+            </a:endParaRPr>
+          </a:p>
+        </p:txBody>
+      </p:sp>
     </p:spTree>
     <p:extLst>
       <p:ext uri="{BB962C8B-B14F-4D97-AF65-F5344CB8AC3E}">
-        <p14:creationId xmlns:p14="http://schemas.microsoft.com/office/powerpoint/2010/main" val="966291917"/>
+        <p14:creationId xmlns:p14="http://schemas.microsoft.com/office/powerpoint/2010/main" val="1673014802"/>
       </p:ext>
     </p:extLst>
   </p:cSld>
@@ -8297,7 +9495,7 @@
       </p:grpSpPr>
       <p:sp>
         <p:nvSpPr>
-          <p:cNvPr id="5" name="제목 1"/>
+          <p:cNvPr id="2" name="제목 1"/>
           <p:cNvSpPr>
             <a:spLocks noGrp="1"/>
           </p:cNvSpPr>
@@ -8307,8 +9505,8 @@
         </p:nvSpPr>
         <p:spPr>
           <a:xfrm>
-            <a:off x="-769033" y="154745"/>
-            <a:ext cx="9144000" cy="808966"/>
+            <a:off x="1524000" y="1122362"/>
+            <a:ext cx="9144000" cy="4828271"/>
           </a:xfrm>
         </p:spPr>
         <p:txBody>
@@ -8318,142 +9516,91 @@
           <a:lstStyle/>
           <a:p>
             <a:r>
+              <a:rPr lang="ko-KR" altLang="en-US" sz="8000" b="1" dirty="0">
+                <a:latin typeface="+mn-ea"/>
+                <a:ea typeface="+mn-ea"/>
+              </a:rPr>
+              <a:t>스토리보드</a:t>
+            </a:r>
+            <a:br>
               <a:rPr lang="en-US" altLang="ko-KR" sz="4600" b="1" dirty="0">
                 <a:latin typeface="+mn-ea"/>
                 <a:ea typeface="+mn-ea"/>
               </a:rPr>
-              <a:t>01. </a:t>
+            </a:br>
+            <a:br>
+              <a:rPr lang="en-US" altLang="ko-KR" sz="4600" b="1" dirty="0">
+                <a:latin typeface="+mn-ea"/>
+                <a:ea typeface="+mn-ea"/>
+              </a:rPr>
+            </a:br>
+            <a:br>
+              <a:rPr lang="en-US" altLang="ko-KR" sz="4600" b="1" dirty="0">
+                <a:latin typeface="+mn-ea"/>
+                <a:ea typeface="+mn-ea"/>
+              </a:rPr>
+            </a:br>
+            <a:r>
+              <a:rPr lang="en-US" altLang="ko-KR" sz="4600" b="1" dirty="0">
+                <a:latin typeface="+mn-ea"/>
+                <a:ea typeface="+mn-ea"/>
+              </a:rPr>
+              <a:t>01.</a:t>
             </a:r>
             <a:r>
               <a:rPr lang="ko-KR" altLang="en-US" sz="4600" b="1" dirty="0">
                 <a:latin typeface="+mn-ea"/>
                 <a:ea typeface="+mn-ea"/>
               </a:rPr>
-              <a:t>견적 신청서 작성 기능</a:t>
-            </a:r>
-          </a:p>
-        </p:txBody>
-      </p:sp>
-      <p:pic>
-        <p:nvPicPr>
-          <p:cNvPr id="6" name="그림 5"/>
-          <p:cNvPicPr>
-            <a:picLocks noChangeAspect="1"/>
-          </p:cNvPicPr>
-          <p:nvPr/>
-        </p:nvPicPr>
-        <p:blipFill>
-          <a:blip r:embed="rId2">
-            <a:extLst>
-              <a:ext uri="{28A0092B-C50C-407E-A947-70E740481C1C}">
-                <a14:useLocalDpi xmlns:a14="http://schemas.microsoft.com/office/drawing/2010/main" val="0"/>
-              </a:ext>
-            </a:extLst>
-          </a:blip>
-          <a:stretch>
-            <a:fillRect/>
-          </a:stretch>
-        </p:blipFill>
-        <p:spPr>
-          <a:xfrm>
-            <a:off x="3319437" y="1083212"/>
-            <a:ext cx="6143970" cy="5641214"/>
-          </a:xfrm>
-          <a:prstGeom prst="rect">
-            <a:avLst/>
-          </a:prstGeom>
-          <a:ln>
-            <a:noFill/>
-          </a:ln>
-          <a:effectLst>
-            <a:outerShdw blurRad="190500" algn="tl" rotWithShape="0">
-              <a:srgbClr val="000000">
-                <a:alpha val="70000"/>
-              </a:srgbClr>
-            </a:outerShdw>
-          </a:effectLst>
-        </p:spPr>
-      </p:pic>
-      <p:sp>
-        <p:nvSpPr>
-          <p:cNvPr id="4" name="직사각형 3"/>
-          <p:cNvSpPr/>
-          <p:nvPr/>
-        </p:nvSpPr>
-        <p:spPr>
-          <a:xfrm>
-            <a:off x="6372225" y="1083212"/>
-            <a:ext cx="1556690" cy="593188"/>
-          </a:xfrm>
-          <a:prstGeom prst="rect">
-            <a:avLst/>
-          </a:prstGeom>
-          <a:solidFill>
-            <a:schemeClr val="bg1"/>
-          </a:solidFill>
-          <a:ln>
-            <a:noFill/>
-          </a:ln>
-        </p:spPr>
-        <p:style>
-          <a:lnRef idx="2">
-            <a:schemeClr val="accent1">
-              <a:shade val="50000"/>
-            </a:schemeClr>
-          </a:lnRef>
-          <a:fillRef idx="1">
-            <a:schemeClr val="accent1"/>
-          </a:fillRef>
-          <a:effectRef idx="0">
-            <a:schemeClr val="accent1"/>
-          </a:effectRef>
-          <a:fontRef idx="minor">
-            <a:schemeClr val="lt1"/>
-          </a:fontRef>
-        </p:style>
-        <p:txBody>
-          <a:bodyPr rtlCol="0" anchor="ctr"/>
-          <a:lstStyle/>
-          <a:p>
-            <a:pPr algn="ctr"/>
-            <a:endParaRPr lang="ko-KR" altLang="en-US"/>
-          </a:p>
-        </p:txBody>
-      </p:sp>
-      <p:pic>
-        <p:nvPicPr>
-          <p:cNvPr id="7" name="그림 6"/>
-          <p:cNvPicPr>
-            <a:picLocks noChangeAspect="1"/>
-          </p:cNvPicPr>
-          <p:nvPr/>
-        </p:nvPicPr>
-        <p:blipFill>
-          <a:blip r:embed="rId3">
-            <a:extLst>
-              <a:ext uri="{28A0092B-C50C-407E-A947-70E740481C1C}">
-                <a14:useLocalDpi xmlns:a14="http://schemas.microsoft.com/office/drawing/2010/main" val="0"/>
-              </a:ext>
-            </a:extLst>
-          </a:blip>
-          <a:stretch>
-            <a:fillRect/>
-          </a:stretch>
-        </p:blipFill>
-        <p:spPr>
-          <a:xfrm>
-            <a:off x="7518448" y="1285056"/>
-            <a:ext cx="189499" cy="189499"/>
-          </a:xfrm>
-          <a:prstGeom prst="rect">
-            <a:avLst/>
-          </a:prstGeom>
-        </p:spPr>
-      </p:pic>
+              <a:t> 견적 신청서 작성 기능</a:t>
+            </a:r>
+            <a:br>
+              <a:rPr lang="en-US" altLang="ko-KR" sz="4600" b="1" dirty="0">
+                <a:latin typeface="+mn-ea"/>
+                <a:ea typeface="+mn-ea"/>
+              </a:rPr>
+            </a:br>
+            <a:r>
+              <a:rPr lang="en-US" altLang="ko-KR" sz="4600" b="1" dirty="0">
+                <a:latin typeface="+mn-ea"/>
+                <a:ea typeface="+mn-ea"/>
+              </a:rPr>
+              <a:t>02. </a:t>
+            </a:r>
+            <a:r>
+              <a:rPr lang="ko-KR" altLang="en-US" sz="4600" b="1" dirty="0">
+                <a:latin typeface="+mn-ea"/>
+                <a:ea typeface="+mn-ea"/>
+              </a:rPr>
+              <a:t>실시간 도면 상담 기능</a:t>
+            </a:r>
+            <a:br>
+              <a:rPr lang="en-US" altLang="ko-KR" sz="4600" b="1" dirty="0">
+                <a:latin typeface="+mn-ea"/>
+                <a:ea typeface="+mn-ea"/>
+              </a:rPr>
+            </a:br>
+            <a:r>
+              <a:rPr lang="en-US" altLang="ko-KR" sz="4600" b="1" dirty="0">
+                <a:latin typeface="+mn-ea"/>
+                <a:ea typeface="+mn-ea"/>
+              </a:rPr>
+              <a:t>03. </a:t>
+            </a:r>
+            <a:r>
+              <a:rPr lang="ko-KR" altLang="en-US" sz="4600" b="1" dirty="0">
+                <a:latin typeface="+mn-ea"/>
+                <a:ea typeface="+mn-ea"/>
+              </a:rPr>
+              <a:t>원자재 구매 기능</a:t>
+            </a:r>
+          </a:p>
+        </p:txBody>
+      </p:sp>
     </p:spTree>
     <p:extLst>
       <p:ext uri="{BB962C8B-B14F-4D97-AF65-F5344CB8AC3E}">
-        <p14:creationId xmlns:p14="http://schemas.microsoft.com/office/powerpoint/2010/main" val="2123453163"/>
+        <p14:creationId xmlns:p14="http://schemas.microsoft.com/office/powerpoint/2010/main" val="3564198850"/>
       </p:ext>
     </p:extLst>
   </p:cSld>
@@ -8492,7 +9639,7 @@
         </p:nvSpPr>
         <p:spPr>
           <a:xfrm>
-            <a:off x="-769033" y="154745"/>
+            <a:off x="-529882" y="196948"/>
             <a:ext cx="9144000" cy="808966"/>
           </a:xfrm>
         </p:spPr>
@@ -8507,71 +9654,49 @@
                 <a:latin typeface="+mn-ea"/>
                 <a:ea typeface="+mn-ea"/>
               </a:rPr>
-              <a:t>01. </a:t>
+              <a:t>00. </a:t>
             </a:r>
             <a:r>
               <a:rPr lang="ko-KR" altLang="en-US" sz="4600" b="1" dirty="0">
                 <a:latin typeface="+mn-ea"/>
                 <a:ea typeface="+mn-ea"/>
               </a:rPr>
-              <a:t>견적 신청서 작성 기능</a:t>
-            </a:r>
-          </a:p>
-        </p:txBody>
-      </p:sp>
-      <p:sp>
-        <p:nvSpPr>
-          <p:cNvPr id="2" name="TextBox 1"/>
-          <p:cNvSpPr txBox="1"/>
-          <p:nvPr/>
-        </p:nvSpPr>
-        <p:spPr>
-          <a:xfrm>
-            <a:off x="0" y="1232966"/>
-            <a:ext cx="12506179" cy="584775"/>
-          </a:xfrm>
-          <a:prstGeom prst="rect">
-            <a:avLst/>
-          </a:prstGeom>
-          <a:noFill/>
-        </p:spPr>
-        <p:txBody>
-          <a:bodyPr wrap="square" rtlCol="0">
-            <a:spAutoFit/>
-          </a:bodyPr>
-          <a:lstStyle/>
-          <a:p>
-            <a:pPr marL="285750" indent="-285750">
-              <a:buFont typeface="Arial" panose="020B0604020202020204" pitchFamily="34" charset="0"/>
-              <a:buChar char="•"/>
-            </a:pPr>
-            <a:r>
-              <a:rPr lang="ko-KR" altLang="en-US" sz="3200" b="1" dirty="0"/>
-              <a:t>기능 관련 </a:t>
-            </a:r>
-            <a:r>
-              <a:rPr lang="en-US" altLang="ko-KR" sz="3200" b="1" dirty="0"/>
-              <a:t>API : </a:t>
-            </a:r>
-            <a:r>
-              <a:rPr lang="en-US" altLang="ko-KR" sz="3200" b="1" dirty="0" err="1"/>
-              <a:t>FloorPlanner</a:t>
-            </a:r>
-            <a:r>
-              <a:rPr lang="en-US" altLang="ko-KR" sz="3200" b="1" dirty="0"/>
-              <a:t> (</a:t>
-            </a:r>
-            <a:r>
-              <a:rPr lang="en-US" altLang="ko-KR" sz="3200" b="1" dirty="0"/>
-              <a:t>http://docs.floorplanner.com/)</a:t>
-            </a:r>
-            <a:endParaRPr lang="ko-KR" altLang="en-US" sz="3200" b="1" dirty="0"/>
+              <a:t>메인 화면 </a:t>
+            </a:r>
+            <a:r>
+              <a:rPr lang="en-US" altLang="ko-KR" sz="4600" b="1" dirty="0">
+                <a:latin typeface="+mn-ea"/>
+                <a:ea typeface="+mn-ea"/>
+              </a:rPr>
+              <a:t>– </a:t>
+            </a:r>
+            <a:r>
+              <a:rPr lang="ko-KR" altLang="en-US" sz="4600" b="1" dirty="0">
+                <a:latin typeface="+mn-ea"/>
+                <a:ea typeface="+mn-ea"/>
+              </a:rPr>
+              <a:t>웹 </a:t>
+            </a:r>
+            <a:r>
+              <a:rPr lang="en-US" altLang="ko-KR" sz="4600" b="1" dirty="0">
+                <a:latin typeface="+mn-ea"/>
+                <a:ea typeface="+mn-ea"/>
+              </a:rPr>
+              <a:t>&amp; </a:t>
+            </a:r>
+            <a:r>
+              <a:rPr lang="ko-KR" altLang="en-US" sz="4600" b="1" dirty="0">
+                <a:latin typeface="+mn-ea"/>
+                <a:ea typeface="+mn-ea"/>
+              </a:rPr>
+              <a:t>모바일</a:t>
+            </a:r>
           </a:p>
         </p:txBody>
       </p:sp>
       <p:pic>
         <p:nvPicPr>
-          <p:cNvPr id="3" name="그림 2"/>
+          <p:cNvPr id="2" name="그림 1"/>
           <p:cNvPicPr>
             <a:picLocks noChangeAspect="1"/>
           </p:cNvPicPr>
@@ -8591,8 +9716,94 @@
         </p:blipFill>
         <p:spPr>
           <a:xfrm>
-            <a:off x="1136783" y="2086996"/>
-            <a:ext cx="9583487" cy="4458322"/>
+            <a:off x="2348561" y="1362301"/>
+            <a:ext cx="7494879" cy="5018818"/>
+          </a:xfrm>
+          <a:prstGeom prst="rect">
+            <a:avLst/>
+          </a:prstGeom>
+          <a:ln>
+            <a:noFill/>
+          </a:ln>
+          <a:effectLst>
+            <a:outerShdw blurRad="190500" algn="tl" rotWithShape="0">
+              <a:srgbClr val="000000">
+                <a:alpha val="70000"/>
+              </a:srgbClr>
+            </a:outerShdw>
+          </a:effectLst>
+        </p:spPr>
+      </p:pic>
+      <p:sp>
+        <p:nvSpPr>
+          <p:cNvPr id="4" name="직사각형 3"/>
+          <p:cNvSpPr/>
+          <p:nvPr/>
+        </p:nvSpPr>
+        <p:spPr>
+          <a:xfrm>
+            <a:off x="7588250" y="1362301"/>
+            <a:ext cx="2255190" cy="780730"/>
+          </a:xfrm>
+          <a:prstGeom prst="rect">
+            <a:avLst/>
+          </a:prstGeom>
+          <a:solidFill>
+            <a:schemeClr val="bg1"/>
+          </a:solidFill>
+          <a:ln>
+            <a:noFill/>
+          </a:ln>
+        </p:spPr>
+        <p:style>
+          <a:lnRef idx="2">
+            <a:schemeClr val="accent1">
+              <a:shade val="50000"/>
+            </a:schemeClr>
+          </a:lnRef>
+          <a:fillRef idx="1">
+            <a:schemeClr val="accent1"/>
+          </a:fillRef>
+          <a:effectRef idx="0">
+            <a:schemeClr val="accent1"/>
+          </a:effectRef>
+          <a:fontRef idx="minor">
+            <a:schemeClr val="lt1"/>
+          </a:fontRef>
+        </p:style>
+        <p:txBody>
+          <a:bodyPr rtlCol="0" anchor="ctr"/>
+          <a:lstStyle/>
+          <a:p>
+            <a:pPr algn="ctr"/>
+            <a:endParaRPr lang="ko-KR" altLang="en-US"/>
+          </a:p>
+        </p:txBody>
+      </p:sp>
+      <p:pic>
+        <p:nvPicPr>
+          <p:cNvPr id="3" name="그림 2"/>
+          <p:cNvPicPr>
+            <a:picLocks noChangeAspect="1"/>
+          </p:cNvPicPr>
+          <p:nvPr/>
+        </p:nvPicPr>
+        <p:blipFill>
+          <a:blip r:embed="rId3">
+            <a:extLst>
+              <a:ext uri="{28A0092B-C50C-407E-A947-70E740481C1C}">
+                <a14:useLocalDpi xmlns:a14="http://schemas.microsoft.com/office/drawing/2010/main" val="0"/>
+              </a:ext>
+            </a:extLst>
+          </a:blip>
+          <a:stretch>
+            <a:fillRect/>
+          </a:stretch>
+        </p:blipFill>
+        <p:spPr>
+          <a:xfrm>
+            <a:off x="9346839" y="1562646"/>
+            <a:ext cx="243835" cy="243835"/>
           </a:xfrm>
           <a:prstGeom prst="rect">
             <a:avLst/>
@@ -8602,7 +9813,7 @@
     </p:spTree>
     <p:extLst>
       <p:ext uri="{BB962C8B-B14F-4D97-AF65-F5344CB8AC3E}">
-        <p14:creationId xmlns:p14="http://schemas.microsoft.com/office/powerpoint/2010/main" val="3834819644"/>
+        <p14:creationId xmlns:p14="http://schemas.microsoft.com/office/powerpoint/2010/main" val="105287040"/>
       </p:ext>
     </p:extLst>
   </p:cSld>
@@ -8641,7 +9852,7 @@
         </p:nvSpPr>
         <p:spPr>
           <a:xfrm>
-            <a:off x="-769033" y="154745"/>
+            <a:off x="-529882" y="196948"/>
             <a:ext cx="9144000" cy="808966"/>
           </a:xfrm>
         </p:spPr>
@@ -8656,21 +9867,49 @@
                 <a:latin typeface="+mn-ea"/>
                 <a:ea typeface="+mn-ea"/>
               </a:rPr>
-              <a:t>01. </a:t>
+              <a:t>00. </a:t>
             </a:r>
             <a:r>
               <a:rPr lang="ko-KR" altLang="en-US" sz="4600" b="1" dirty="0">
                 <a:latin typeface="+mn-ea"/>
                 <a:ea typeface="+mn-ea"/>
               </a:rPr>
-              <a:t>견적 신청서 작성 기능</a:t>
+              <a:t>메인 화면 </a:t>
+            </a:r>
+            <a:r>
+              <a:rPr lang="en-US" altLang="ko-KR" sz="4600" b="1" dirty="0">
+                <a:latin typeface="+mn-ea"/>
+                <a:ea typeface="+mn-ea"/>
+              </a:rPr>
+              <a:t>– </a:t>
+            </a:r>
+            <a:r>
+              <a:rPr lang="ko-KR" altLang="en-US" sz="4600" b="1" dirty="0">
+                <a:latin typeface="+mn-ea"/>
+                <a:ea typeface="+mn-ea"/>
+              </a:rPr>
+              <a:t>웹 </a:t>
+            </a:r>
+            <a:r>
+              <a:rPr lang="en-US" altLang="ko-KR" sz="4600" b="1" dirty="0">
+                <a:latin typeface="+mn-ea"/>
+                <a:ea typeface="+mn-ea"/>
+              </a:rPr>
+              <a:t>&amp; </a:t>
+            </a:r>
+            <a:r>
+              <a:rPr lang="ko-KR" altLang="en-US" sz="4600" b="1" dirty="0">
+                <a:latin typeface="+mn-ea"/>
+                <a:ea typeface="+mn-ea"/>
+              </a:rPr>
+              <a:t>모바일</a:t>
             </a:r>
           </a:p>
         </p:txBody>
       </p:sp>
       <p:pic>
         <p:nvPicPr>
-          <p:cNvPr id="4" name="그림 3"/>
+          <p:cNvPr id="3" name="그림 2"/>
           <p:cNvPicPr>
             <a:picLocks noChangeAspect="1"/>
           </p:cNvPicPr>
@@ -8689,9 +9928,9 @@
           </a:stretch>
         </p:blipFill>
         <p:spPr>
-          <a:xfrm>
-            <a:off x="1494971" y="2209041"/>
-            <a:ext cx="9216571" cy="4300616"/>
+          <a:xfrm rot="16200000">
+            <a:off x="3355576" y="2164131"/>
+            <a:ext cx="5480849" cy="3431547"/>
           </a:xfrm>
           <a:prstGeom prst="rect">
             <a:avLst/>
@@ -8710,58 +9949,84 @@
       </p:pic>
       <p:sp>
         <p:nvSpPr>
-          <p:cNvPr id="6" name="TextBox 5"/>
-          <p:cNvSpPr txBox="1"/>
+          <p:cNvPr id="4" name="직사각형 3"/>
+          <p:cNvSpPr/>
           <p:nvPr/>
         </p:nvSpPr>
         <p:spPr>
           <a:xfrm>
-            <a:off x="0" y="1232966"/>
-            <a:ext cx="12506179" cy="584775"/>
+            <a:off x="6629400" y="1190851"/>
+            <a:ext cx="1182374" cy="425224"/>
           </a:xfrm>
           <a:prstGeom prst="rect">
             <a:avLst/>
           </a:prstGeom>
-          <a:noFill/>
-        </p:spPr>
-        <p:txBody>
-          <a:bodyPr wrap="square" rtlCol="0">
-            <a:spAutoFit/>
-          </a:bodyPr>
-          <a:lstStyle/>
-          <a:p>
-            <a:pPr marL="285750" indent="-285750">
-              <a:buFont typeface="Arial" panose="020B0604020202020204" pitchFamily="34" charset="0"/>
-              <a:buChar char="•"/>
-            </a:pPr>
-            <a:r>
-              <a:rPr lang="ko-KR" altLang="en-US" sz="3200" b="1" dirty="0"/>
-              <a:t>기능 관련 </a:t>
-            </a:r>
-            <a:r>
-              <a:rPr lang="en-US" altLang="ko-KR" sz="3200" b="1" dirty="0"/>
-              <a:t>API : </a:t>
-            </a:r>
-            <a:r>
-              <a:rPr lang="en-US" altLang="ko-KR" sz="3200" b="1" dirty="0" err="1"/>
-              <a:t>FloorPlanner</a:t>
-            </a:r>
-            <a:r>
-              <a:rPr lang="en-US" altLang="ko-KR" sz="3200" b="1" dirty="0"/>
-              <a:t> (</a:t>
-            </a:r>
-            <a:r>
-              <a:rPr lang="en-US" altLang="ko-KR" sz="3200" b="1" dirty="0"/>
-              <a:t>http://docs.floorplanner.com/)</a:t>
-            </a:r>
-            <a:endParaRPr lang="ko-KR" altLang="en-US" sz="3200" b="1" dirty="0"/>
-          </a:p>
-        </p:txBody>
-      </p:sp>
+          <a:solidFill>
+            <a:schemeClr val="bg1"/>
+          </a:solidFill>
+          <a:ln>
+            <a:noFill/>
+          </a:ln>
+        </p:spPr>
+        <p:style>
+          <a:lnRef idx="2">
+            <a:schemeClr val="accent1">
+              <a:shade val="50000"/>
+            </a:schemeClr>
+          </a:lnRef>
+          <a:fillRef idx="1">
+            <a:schemeClr val="accent1"/>
+          </a:fillRef>
+          <a:effectRef idx="0">
+            <a:schemeClr val="accent1"/>
+          </a:effectRef>
+          <a:fontRef idx="minor">
+            <a:schemeClr val="lt1"/>
+          </a:fontRef>
+        </p:style>
+        <p:txBody>
+          <a:bodyPr rtlCol="0" anchor="ctr"/>
+          <a:lstStyle/>
+          <a:p>
+            <a:pPr algn="ctr"/>
+            <a:endParaRPr lang="ko-KR" altLang="en-US"/>
+          </a:p>
+        </p:txBody>
+      </p:sp>
+      <p:pic>
+        <p:nvPicPr>
+          <p:cNvPr id="6" name="그림 5"/>
+          <p:cNvPicPr>
+            <a:picLocks noChangeAspect="1"/>
+          </p:cNvPicPr>
+          <p:nvPr/>
+        </p:nvPicPr>
+        <p:blipFill>
+          <a:blip r:embed="rId3">
+            <a:extLst>
+              <a:ext uri="{28A0092B-C50C-407E-A947-70E740481C1C}">
+                <a14:useLocalDpi xmlns:a14="http://schemas.microsoft.com/office/drawing/2010/main" val="0"/>
+              </a:ext>
+            </a:extLst>
+          </a:blip>
+          <a:stretch>
+            <a:fillRect/>
+          </a:stretch>
+        </p:blipFill>
+        <p:spPr>
+          <a:xfrm>
+            <a:off x="7570868" y="1318259"/>
+            <a:ext cx="127840" cy="170408"/>
+          </a:xfrm>
+          <a:prstGeom prst="rect">
+            <a:avLst/>
+          </a:prstGeom>
+        </p:spPr>
+      </p:pic>
     </p:spTree>
     <p:extLst>
       <p:ext uri="{BB962C8B-B14F-4D97-AF65-F5344CB8AC3E}">
-        <p14:creationId xmlns:p14="http://schemas.microsoft.com/office/powerpoint/2010/main" val="1048217040"/>
+        <p14:creationId xmlns:p14="http://schemas.microsoft.com/office/powerpoint/2010/main" val="966291917"/>
       </p:ext>
     </p:extLst>
   </p:cSld>
@@ -8829,7 +10094,7 @@
       </p:sp>
       <p:pic>
         <p:nvPicPr>
-          <p:cNvPr id="3" name="그림 2"/>
+          <p:cNvPr id="6" name="그림 5"/>
           <p:cNvPicPr>
             <a:picLocks noChangeAspect="1"/>
           </p:cNvPicPr>
@@ -8849,8 +10114,8 @@
         </p:blipFill>
         <p:spPr>
           <a:xfrm>
-            <a:off x="764346" y="2378332"/>
-            <a:ext cx="5167772" cy="3835806"/>
+            <a:off x="3319437" y="1083212"/>
+            <a:ext cx="6143970" cy="5641214"/>
           </a:xfrm>
           <a:prstGeom prst="rect">
             <a:avLst/>
@@ -8867,9 +10132,55 @@
           </a:effectLst>
         </p:spPr>
       </p:pic>
+      <p:sp>
+        <p:nvSpPr>
+          <p:cNvPr id="4" name="직사각형 3"/>
+          <p:cNvSpPr/>
+          <p:nvPr/>
+        </p:nvSpPr>
+        <p:spPr>
+          <a:xfrm>
+            <a:off x="6372225" y="1083212"/>
+            <a:ext cx="1556690" cy="593188"/>
+          </a:xfrm>
+          <a:prstGeom prst="rect">
+            <a:avLst/>
+          </a:prstGeom>
+          <a:solidFill>
+            <a:schemeClr val="bg1"/>
+          </a:solidFill>
+          <a:ln>
+            <a:noFill/>
+          </a:ln>
+        </p:spPr>
+        <p:style>
+          <a:lnRef idx="2">
+            <a:schemeClr val="accent1">
+              <a:shade val="50000"/>
+            </a:schemeClr>
+          </a:lnRef>
+          <a:fillRef idx="1">
+            <a:schemeClr val="accent1"/>
+          </a:fillRef>
+          <a:effectRef idx="0">
+            <a:schemeClr val="accent1"/>
+          </a:effectRef>
+          <a:fontRef idx="minor">
+            <a:schemeClr val="lt1"/>
+          </a:fontRef>
+        </p:style>
+        <p:txBody>
+          <a:bodyPr rtlCol="0" anchor="ctr"/>
+          <a:lstStyle/>
+          <a:p>
+            <a:pPr algn="ctr"/>
+            <a:endParaRPr lang="ko-KR" altLang="en-US"/>
+          </a:p>
+        </p:txBody>
+      </p:sp>
       <p:pic>
         <p:nvPicPr>
-          <p:cNvPr id="6" name="그림 5"/>
+          <p:cNvPr id="7" name="그림 6"/>
           <p:cNvPicPr>
             <a:picLocks noChangeAspect="1"/>
           </p:cNvPicPr>
@@ -8889,78 +10200,18 @@
         </p:blipFill>
         <p:spPr>
           <a:xfrm>
-            <a:off x="6684917" y="2486232"/>
-            <a:ext cx="4448796" cy="3620005"/>
+            <a:off x="7518448" y="1285056"/>
+            <a:ext cx="189499" cy="189499"/>
           </a:xfrm>
           <a:prstGeom prst="rect">
             <a:avLst/>
           </a:prstGeom>
-          <a:ln>
-            <a:noFill/>
-          </a:ln>
-          <a:effectLst>
-            <a:outerShdw blurRad="190500" algn="tl" rotWithShape="0">
-              <a:srgbClr val="000000">
-                <a:alpha val="70000"/>
-              </a:srgbClr>
-            </a:outerShdw>
-          </a:effectLst>
         </p:spPr>
       </p:pic>
-      <p:sp>
-        <p:nvSpPr>
-          <p:cNvPr id="7" name="TextBox 6"/>
-          <p:cNvSpPr txBox="1"/>
-          <p:nvPr/>
-        </p:nvSpPr>
-        <p:spPr>
-          <a:xfrm>
-            <a:off x="0" y="1232966"/>
-            <a:ext cx="12506179" cy="584775"/>
-          </a:xfrm>
-          <a:prstGeom prst="rect">
-            <a:avLst/>
-          </a:prstGeom>
-          <a:noFill/>
-        </p:spPr>
-        <p:txBody>
-          <a:bodyPr wrap="square" rtlCol="0">
-            <a:spAutoFit/>
-          </a:bodyPr>
-          <a:lstStyle/>
-          <a:p>
-            <a:pPr marL="285750" indent="-285750">
-              <a:buFont typeface="Arial" panose="020B0604020202020204" pitchFamily="34" charset="0"/>
-              <a:buChar char="•"/>
-            </a:pPr>
-            <a:r>
-              <a:rPr lang="ko-KR" altLang="en-US" sz="3200" b="1" dirty="0"/>
-              <a:t>기능 관련 </a:t>
-            </a:r>
-            <a:r>
-              <a:rPr lang="en-US" altLang="ko-KR" sz="3200" b="1" dirty="0"/>
-              <a:t>API : </a:t>
-            </a:r>
-            <a:r>
-              <a:rPr lang="en-US" altLang="ko-KR" sz="3200" b="1" dirty="0" err="1"/>
-              <a:t>FloorPlanner</a:t>
-            </a:r>
-            <a:r>
-              <a:rPr lang="en-US" altLang="ko-KR" sz="3200" b="1" dirty="0"/>
-              <a:t> (</a:t>
-            </a:r>
-            <a:r>
-              <a:rPr lang="en-US" altLang="ko-KR" sz="3200" b="1" dirty="0"/>
-              <a:t>http://docs.floorplanner.com/)</a:t>
-            </a:r>
-            <a:endParaRPr lang="ko-KR" altLang="en-US" sz="3200" b="1" dirty="0"/>
-          </a:p>
-        </p:txBody>
-      </p:sp>
     </p:spTree>
     <p:extLst>
       <p:ext uri="{BB962C8B-B14F-4D97-AF65-F5344CB8AC3E}">
-        <p14:creationId xmlns:p14="http://schemas.microsoft.com/office/powerpoint/2010/main" val="3748702408"/>
+        <p14:creationId xmlns:p14="http://schemas.microsoft.com/office/powerpoint/2010/main" val="2123453163"/>
       </p:ext>
     </p:extLst>
   </p:cSld>
@@ -9026,220 +10277,86 @@
           </a:p>
         </p:txBody>
       </p:sp>
-      <p:graphicFrame>
-        <p:nvGraphicFramePr>
-          <p:cNvPr id="2" name="표 1"/>
-          <p:cNvGraphicFramePr>
-            <a:graphicFrameLocks noGrp="1"/>
-          </p:cNvGraphicFramePr>
-          <p:nvPr>
-            <p:extLst>
-              <p:ext uri="{D42A27DB-BD31-4B8C-83A1-F6EECF244321}">
-                <p14:modId xmlns:p14="http://schemas.microsoft.com/office/powerpoint/2010/main" val="2058646177"/>
-              </p:ext>
-            </p:extLst>
-          </p:nvPr>
-        </p:nvGraphicFramePr>
-        <p:xfrm>
-          <a:off x="2032000" y="2154569"/>
-          <a:ext cx="8128000" cy="3529332"/>
-        </p:xfrm>
-        <a:graphic>
-          <a:graphicData uri="http://schemas.openxmlformats.org/drawingml/2006/table">
-            <a:tbl>
-              <a:tblPr firstRow="1" bandRow="1">
-                <a:tableStyleId>{21E4AEA4-8DFA-4A89-87EB-49C32662AFE0}</a:tableStyleId>
-              </a:tblPr>
-              <a:tblGrid>
-                <a:gridCol w="4064000">
-                  <a:extLst>
-                    <a:ext uri="{9D8B030D-6E8A-4147-A177-3AD203B41FA5}">
-                      <a16:colId xmlns:a16="http://schemas.microsoft.com/office/drawing/2014/main" val="2096301819"/>
-                    </a:ext>
-                  </a:extLst>
-                </a:gridCol>
-                <a:gridCol w="4064000">
-                  <a:extLst>
-                    <a:ext uri="{9D8B030D-6E8A-4147-A177-3AD203B41FA5}">
-                      <a16:colId xmlns:a16="http://schemas.microsoft.com/office/drawing/2014/main" val="1151606487"/>
-                    </a:ext>
-                  </a:extLst>
-                </a:gridCol>
-              </a:tblGrid>
-              <a:tr h="871644">
-                <a:tc>
-                  <a:txBody>
-                    <a:bodyPr/>
-                    <a:lstStyle/>
-                    <a:p>
-                      <a:pPr algn="ctr" latinLnBrk="1"/>
-                      <a:r>
-                        <a:rPr lang="ko-KR" altLang="en-US" sz="2800" dirty="0"/>
-                        <a:t>기능</a:t>
-                      </a:r>
-                    </a:p>
-                  </a:txBody>
-                  <a:tcPr anchor="ctr"/>
-                </a:tc>
-                <a:tc>
-                  <a:txBody>
-                    <a:bodyPr/>
-                    <a:lstStyle/>
-                    <a:p>
-                      <a:pPr algn="ctr" latinLnBrk="1"/>
-                      <a:r>
-                        <a:rPr lang="ko-KR" altLang="en-US" sz="2800" dirty="0"/>
-                        <a:t>내용 설명</a:t>
-                      </a:r>
-                    </a:p>
-                  </a:txBody>
-                  <a:tcPr anchor="ctr"/>
-                </a:tc>
-                <a:extLst>
-                  <a:ext uri="{0D108BD9-81ED-4DB2-BD59-A6C34878D82A}">
-                    <a16:rowId xmlns:a16="http://schemas.microsoft.com/office/drawing/2014/main" val="186381071"/>
-                  </a:ext>
-                </a:extLst>
-              </a:tr>
-              <a:tr h="871644">
-                <a:tc>
-                  <a:txBody>
-                    <a:bodyPr/>
-                    <a:lstStyle/>
-                    <a:p>
-                      <a:pPr algn="ctr" latinLnBrk="1"/>
-                      <a:r>
-                        <a:rPr lang="en-US" altLang="ko-KR" sz="3600" b="1" dirty="0"/>
-                        <a:t>INPUT</a:t>
-                      </a:r>
-                      <a:endParaRPr lang="ko-KR" altLang="en-US" sz="3600" b="1" dirty="0"/>
-                    </a:p>
-                  </a:txBody>
-                  <a:tcPr anchor="ctr"/>
-                </a:tc>
-                <a:tc>
-                  <a:txBody>
-                    <a:bodyPr/>
-                    <a:lstStyle/>
-                    <a:p>
-                      <a:pPr algn="l" latinLnBrk="1"/>
-                      <a:r>
-                        <a:rPr lang="ko-KR" altLang="en-US" dirty="0"/>
-                        <a:t>사용자가 견적 상담 버튼을 눌러서 견적 신청 작성 페이지로 넘어간다</a:t>
-                      </a:r>
-                      <a:r>
-                        <a:rPr lang="en-US" altLang="ko-KR" dirty="0"/>
-                        <a:t>.</a:t>
-                      </a:r>
-                      <a:endParaRPr lang="ko-KR" altLang="en-US" dirty="0"/>
-                    </a:p>
-                  </a:txBody>
-                  <a:tcPr/>
-                </a:tc>
-                <a:extLst>
-                  <a:ext uri="{0D108BD9-81ED-4DB2-BD59-A6C34878D82A}">
-                    <a16:rowId xmlns:a16="http://schemas.microsoft.com/office/drawing/2014/main" val="1026013384"/>
-                  </a:ext>
-                </a:extLst>
-              </a:tr>
-              <a:tr h="871644">
-                <a:tc>
-                  <a:txBody>
-                    <a:bodyPr/>
-                    <a:lstStyle/>
-                    <a:p>
-                      <a:pPr algn="ctr" latinLnBrk="1"/>
-                      <a:r>
-                        <a:rPr lang="en-US" altLang="ko-KR" sz="3600" b="1" dirty="0"/>
-                        <a:t>Process</a:t>
-                      </a:r>
-                      <a:endParaRPr lang="ko-KR" altLang="en-US" sz="3600" b="1" dirty="0"/>
-                    </a:p>
-                  </a:txBody>
-                  <a:tcPr anchor="ctr"/>
-                </a:tc>
-                <a:tc>
-                  <a:txBody>
-                    <a:bodyPr/>
-                    <a:lstStyle/>
-                    <a:p>
-                      <a:pPr algn="l" latinLnBrk="1"/>
-                      <a:r>
-                        <a:rPr lang="ko-KR" altLang="en-US" dirty="0"/>
-                        <a:t>견적 신청 페이지에서 자신의 견적 정보에 대해 입력하고 </a:t>
-                      </a:r>
-                      <a:r>
-                        <a:rPr lang="en-US" altLang="ko-KR" dirty="0"/>
-                        <a:t>, </a:t>
-                      </a:r>
-                      <a:r>
-                        <a:rPr lang="ko-KR" altLang="en-US" dirty="0"/>
-                        <a:t>도면도 제작 툴을 이용해 간단히 도면도를 그린다</a:t>
-                      </a:r>
-                      <a:r>
-                        <a:rPr lang="en-US" altLang="ko-KR" dirty="0"/>
-                        <a:t>.</a:t>
-                      </a:r>
-                      <a:endParaRPr lang="ko-KR" altLang="en-US" dirty="0"/>
-                    </a:p>
-                  </a:txBody>
-                  <a:tcPr/>
-                </a:tc>
-                <a:extLst>
-                  <a:ext uri="{0D108BD9-81ED-4DB2-BD59-A6C34878D82A}">
-                    <a16:rowId xmlns:a16="http://schemas.microsoft.com/office/drawing/2014/main" val="1639687622"/>
-                  </a:ext>
-                </a:extLst>
-              </a:tr>
-              <a:tr h="871644">
-                <a:tc>
-                  <a:txBody>
-                    <a:bodyPr/>
-                    <a:lstStyle/>
-                    <a:p>
-                      <a:pPr algn="ctr" latinLnBrk="1"/>
-                      <a:r>
-                        <a:rPr lang="en-US" altLang="ko-KR" sz="3600" b="1" dirty="0"/>
-                        <a:t>OUTPUT</a:t>
-                      </a:r>
-                      <a:endParaRPr lang="ko-KR" altLang="en-US" sz="3600" b="1" dirty="0"/>
-                    </a:p>
-                  </a:txBody>
-                  <a:tcPr anchor="ctr"/>
-                </a:tc>
-                <a:tc>
-                  <a:txBody>
-                    <a:bodyPr/>
-                    <a:lstStyle/>
-                    <a:p>
-                      <a:pPr algn="l" latinLnBrk="1"/>
-                      <a:r>
-                        <a:rPr lang="ko-KR" altLang="en-US" dirty="0"/>
-                        <a:t>견적 신청 게시판에 자신의 견적 신청에 대한 게시글이 등록된다</a:t>
-                      </a:r>
-                      <a:r>
-                        <a:rPr lang="en-US" altLang="ko-KR" dirty="0"/>
-                        <a:t>.</a:t>
-                      </a:r>
-                      <a:endParaRPr lang="ko-KR" altLang="en-US" dirty="0"/>
-                    </a:p>
-                  </a:txBody>
-                  <a:tcPr/>
-                </a:tc>
-                <a:extLst>
-                  <a:ext uri="{0D108BD9-81ED-4DB2-BD59-A6C34878D82A}">
-                    <a16:rowId xmlns:a16="http://schemas.microsoft.com/office/drawing/2014/main" val="1656529559"/>
-                  </a:ext>
-                </a:extLst>
-              </a:tr>
-            </a:tbl>
-          </a:graphicData>
-        </a:graphic>
-      </p:graphicFrame>
+      <p:sp>
+        <p:nvSpPr>
+          <p:cNvPr id="2" name="TextBox 1"/>
+          <p:cNvSpPr txBox="1"/>
+          <p:nvPr/>
+        </p:nvSpPr>
+        <p:spPr>
+          <a:xfrm>
+            <a:off x="0" y="1232966"/>
+            <a:ext cx="12506179" cy="584775"/>
+          </a:xfrm>
+          <a:prstGeom prst="rect">
+            <a:avLst/>
+          </a:prstGeom>
+          <a:noFill/>
+        </p:spPr>
+        <p:txBody>
+          <a:bodyPr wrap="square" rtlCol="0">
+            <a:spAutoFit/>
+          </a:bodyPr>
+          <a:lstStyle/>
+          <a:p>
+            <a:pPr marL="285750" indent="-285750">
+              <a:buFont typeface="Arial" panose="020B0604020202020204" pitchFamily="34" charset="0"/>
+              <a:buChar char="•"/>
+            </a:pPr>
+            <a:r>
+              <a:rPr lang="ko-KR" altLang="en-US" sz="3200" b="1" dirty="0"/>
+              <a:t>기능 관련 </a:t>
+            </a:r>
+            <a:r>
+              <a:rPr lang="en-US" altLang="ko-KR" sz="3200" b="1" dirty="0"/>
+              <a:t>API : </a:t>
+            </a:r>
+            <a:r>
+              <a:rPr lang="en-US" altLang="ko-KR" sz="3200" b="1" dirty="0" err="1"/>
+              <a:t>FloorPlanner</a:t>
+            </a:r>
+            <a:r>
+              <a:rPr lang="en-US" altLang="ko-KR" sz="3200" b="1" dirty="0"/>
+              <a:t> (http://docs.floorplanner.com/)</a:t>
+            </a:r>
+            <a:endParaRPr lang="ko-KR" altLang="en-US" sz="3200" b="1" dirty="0"/>
+          </a:p>
+        </p:txBody>
+      </p:sp>
+      <p:pic>
+        <p:nvPicPr>
+          <p:cNvPr id="3" name="그림 2"/>
+          <p:cNvPicPr>
+            <a:picLocks noChangeAspect="1"/>
+          </p:cNvPicPr>
+          <p:nvPr/>
+        </p:nvPicPr>
+        <p:blipFill>
+          <a:blip r:embed="rId2">
+            <a:extLst>
+              <a:ext uri="{28A0092B-C50C-407E-A947-70E740481C1C}">
+                <a14:useLocalDpi xmlns:a14="http://schemas.microsoft.com/office/drawing/2010/main" val="0"/>
+              </a:ext>
+            </a:extLst>
+          </a:blip>
+          <a:stretch>
+            <a:fillRect/>
+          </a:stretch>
+        </p:blipFill>
+        <p:spPr>
+          <a:xfrm>
+            <a:off x="1136783" y="2086996"/>
+            <a:ext cx="9583487" cy="4458322"/>
+          </a:xfrm>
+          <a:prstGeom prst="rect">
+            <a:avLst/>
+          </a:prstGeom>
+        </p:spPr>
+      </p:pic>
     </p:spTree>
     <p:extLst>
       <p:ext uri="{BB962C8B-B14F-4D97-AF65-F5344CB8AC3E}">
-        <p14:creationId xmlns:p14="http://schemas.microsoft.com/office/powerpoint/2010/main" val="2601723249"/>
+        <p14:creationId xmlns:p14="http://schemas.microsoft.com/office/powerpoint/2010/main" val="3834819644"/>
       </p:ext>
     </p:extLst>
   </p:cSld>
